--- a/Images/something.pptx
+++ b/Images/something.pptx
@@ -6,6 +6,7 @@
   </p:sldMasterIdLst>
   <p:sldIdLst>
     <p:sldId id="256" r:id="rId2"/>
+    <p:sldId id="257" r:id="rId3"/>
   </p:sldIdLst>
   <p:sldSz cx="12192000" cy="6858000"/>
   <p:notesSz cx="6858000" cy="9144000"/>
@@ -104,6 +105,11 @@
       </a:defRPr>
     </a:lvl9pPr>
   </p:defaultTextStyle>
+  <p:extLst>
+    <p:ext uri="{EFAFB233-063F-42B5-8137-9DF3F51BA10A}">
+      <p15:sldGuideLst xmlns:p15="http://schemas.microsoft.com/office/powerpoint/2012/main"/>
+    </p:ext>
+  </p:extLst>
 </p:presentation>
 </file>
 
@@ -254,7 +260,7 @@
           <a:p>
             <a:fld id="{F5D9C6CE-3FD7-4A98-BB63-1AA71BDC5835}" type="datetimeFigureOut">
               <a:rPr lang="en-US" smtClean="0"/>
-              <a:t>4/7/2020</a:t>
+              <a:t>4/9/2020</a:t>
             </a:fld>
             <a:endParaRPr lang="en-US"/>
           </a:p>
@@ -452,7 +458,7 @@
           <a:p>
             <a:fld id="{F5D9C6CE-3FD7-4A98-BB63-1AA71BDC5835}" type="datetimeFigureOut">
               <a:rPr lang="en-US" smtClean="0"/>
-              <a:t>4/7/2020</a:t>
+              <a:t>4/9/2020</a:t>
             </a:fld>
             <a:endParaRPr lang="en-US"/>
           </a:p>
@@ -660,7 +666,7 @@
           <a:p>
             <a:fld id="{F5D9C6CE-3FD7-4A98-BB63-1AA71BDC5835}" type="datetimeFigureOut">
               <a:rPr lang="en-US" smtClean="0"/>
-              <a:t>4/7/2020</a:t>
+              <a:t>4/9/2020</a:t>
             </a:fld>
             <a:endParaRPr lang="en-US"/>
           </a:p>
@@ -858,7 +864,7 @@
           <a:p>
             <a:fld id="{F5D9C6CE-3FD7-4A98-BB63-1AA71BDC5835}" type="datetimeFigureOut">
               <a:rPr lang="en-US" smtClean="0"/>
-              <a:t>4/7/2020</a:t>
+              <a:t>4/9/2020</a:t>
             </a:fld>
             <a:endParaRPr lang="en-US"/>
           </a:p>
@@ -1133,7 +1139,7 @@
           <a:p>
             <a:fld id="{F5D9C6CE-3FD7-4A98-BB63-1AA71BDC5835}" type="datetimeFigureOut">
               <a:rPr lang="en-US" smtClean="0"/>
-              <a:t>4/7/2020</a:t>
+              <a:t>4/9/2020</a:t>
             </a:fld>
             <a:endParaRPr lang="en-US"/>
           </a:p>
@@ -1398,7 +1404,7 @@
           <a:p>
             <a:fld id="{F5D9C6CE-3FD7-4A98-BB63-1AA71BDC5835}" type="datetimeFigureOut">
               <a:rPr lang="en-US" smtClean="0"/>
-              <a:t>4/7/2020</a:t>
+              <a:t>4/9/2020</a:t>
             </a:fld>
             <a:endParaRPr lang="en-US"/>
           </a:p>
@@ -1810,7 +1816,7 @@
           <a:p>
             <a:fld id="{F5D9C6CE-3FD7-4A98-BB63-1AA71BDC5835}" type="datetimeFigureOut">
               <a:rPr lang="en-US" smtClean="0"/>
-              <a:t>4/7/2020</a:t>
+              <a:t>4/9/2020</a:t>
             </a:fld>
             <a:endParaRPr lang="en-US"/>
           </a:p>
@@ -1951,7 +1957,7 @@
           <a:p>
             <a:fld id="{F5D9C6CE-3FD7-4A98-BB63-1AA71BDC5835}" type="datetimeFigureOut">
               <a:rPr lang="en-US" smtClean="0"/>
-              <a:t>4/7/2020</a:t>
+              <a:t>4/9/2020</a:t>
             </a:fld>
             <a:endParaRPr lang="en-US"/>
           </a:p>
@@ -2064,7 +2070,7 @@
           <a:p>
             <a:fld id="{F5D9C6CE-3FD7-4A98-BB63-1AA71BDC5835}" type="datetimeFigureOut">
               <a:rPr lang="en-US" smtClean="0"/>
-              <a:t>4/7/2020</a:t>
+              <a:t>4/9/2020</a:t>
             </a:fld>
             <a:endParaRPr lang="en-US"/>
           </a:p>
@@ -2375,7 +2381,7 @@
           <a:p>
             <a:fld id="{F5D9C6CE-3FD7-4A98-BB63-1AA71BDC5835}" type="datetimeFigureOut">
               <a:rPr lang="en-US" smtClean="0"/>
-              <a:t>4/7/2020</a:t>
+              <a:t>4/9/2020</a:t>
             </a:fld>
             <a:endParaRPr lang="en-US"/>
           </a:p>
@@ -2663,7 +2669,7 @@
           <a:p>
             <a:fld id="{F5D9C6CE-3FD7-4A98-BB63-1AA71BDC5835}" type="datetimeFigureOut">
               <a:rPr lang="en-US" smtClean="0"/>
-              <a:t>4/7/2020</a:t>
+              <a:t>4/9/2020</a:t>
             </a:fld>
             <a:endParaRPr lang="en-US"/>
           </a:p>
@@ -2904,7 +2910,7 @@
           <a:p>
             <a:fld id="{F5D9C6CE-3FD7-4A98-BB63-1AA71BDC5835}" type="datetimeFigureOut">
               <a:rPr lang="en-US" smtClean="0"/>
-              <a:t>4/7/2020</a:t>
+              <a:t>4/9/2020</a:t>
             </a:fld>
             <a:endParaRPr lang="en-US"/>
           </a:p>
@@ -3446,10 +3452,511 @@
           </a:prstGeom>
         </p:spPr>
       </p:pic>
+      <p:pic>
+        <p:nvPicPr>
+          <p:cNvPr id="3" name="Picture 2">
+            <a:extLst>
+              <a:ext uri="{FF2B5EF4-FFF2-40B4-BE49-F238E27FC236}">
+                <a16:creationId xmlns:a16="http://schemas.microsoft.com/office/drawing/2014/main" id="{02E21955-8751-4550-B3CA-C491E518E4D1}"/>
+              </a:ext>
+            </a:extLst>
+          </p:cNvPr>
+          <p:cNvPicPr>
+            <a:picLocks noChangeAspect="1"/>
+          </p:cNvPicPr>
+          <p:nvPr/>
+        </p:nvPicPr>
+        <p:blipFill>
+          <a:blip r:embed="rId6">
+            <a:extLst>
+              <a:ext uri="{28A0092B-C50C-407E-A947-70E740481C1C}">
+                <a14:useLocalDpi xmlns:a14="http://schemas.microsoft.com/office/drawing/2010/main" val="0"/>
+              </a:ext>
+            </a:extLst>
+          </a:blip>
+          <a:stretch>
+            <a:fillRect/>
+          </a:stretch>
+        </p:blipFill>
+        <p:spPr>
+          <a:xfrm>
+            <a:off x="2667000" y="0"/>
+            <a:ext cx="274320" cy="274320"/>
+          </a:xfrm>
+          <a:prstGeom prst="rect">
+            <a:avLst/>
+          </a:prstGeom>
+        </p:spPr>
+      </p:pic>
+      <p:pic>
+        <p:nvPicPr>
+          <p:cNvPr id="8" name="Picture 7">
+            <a:extLst>
+              <a:ext uri="{FF2B5EF4-FFF2-40B4-BE49-F238E27FC236}">
+                <a16:creationId xmlns:a16="http://schemas.microsoft.com/office/drawing/2014/main" id="{F1AF723F-8513-42A8-9FAE-64C2AE8D455F}"/>
+              </a:ext>
+            </a:extLst>
+          </p:cNvPr>
+          <p:cNvPicPr>
+            <a:picLocks noChangeAspect="1"/>
+          </p:cNvPicPr>
+          <p:nvPr/>
+        </p:nvPicPr>
+        <p:blipFill rotWithShape="1">
+          <a:blip r:embed="rId7">
+            <a:extLst>
+              <a:ext uri="{28A0092B-C50C-407E-A947-70E740481C1C}">
+                <a14:useLocalDpi xmlns:a14="http://schemas.microsoft.com/office/drawing/2010/main" val="0"/>
+              </a:ext>
+            </a:extLst>
+          </a:blip>
+          <a:srcRect l="19497" t="15784" r="20533" b="30482"/>
+          <a:stretch/>
+        </p:blipFill>
+        <p:spPr>
+          <a:xfrm>
+            <a:off x="6023511" y="3340573"/>
+            <a:ext cx="142511" cy="138863"/>
+          </a:xfrm>
+          <a:prstGeom prst="rect">
+            <a:avLst/>
+          </a:prstGeom>
+        </p:spPr>
+      </p:pic>
+      <p:pic>
+        <p:nvPicPr>
+          <p:cNvPr id="11" name="Picture 10">
+            <a:extLst>
+              <a:ext uri="{FF2B5EF4-FFF2-40B4-BE49-F238E27FC236}">
+                <a16:creationId xmlns:a16="http://schemas.microsoft.com/office/drawing/2014/main" id="{5F851C5B-DE31-4855-B751-CD700CED946E}"/>
+              </a:ext>
+            </a:extLst>
+          </p:cNvPr>
+          <p:cNvPicPr>
+            <a:picLocks noChangeAspect="1"/>
+          </p:cNvPicPr>
+          <p:nvPr/>
+        </p:nvPicPr>
+        <p:blipFill>
+          <a:blip r:embed="rId8">
+            <a:extLst>
+              <a:ext uri="{BEBA8EAE-BF5A-486C-A8C5-ECC9F3942E4B}">
+                <a14:imgProps xmlns:a14="http://schemas.microsoft.com/office/drawing/2010/main">
+                  <a14:imgLayer r:embed="rId9">
+                    <a14:imgEffect>
+                      <a14:backgroundRemoval t="0" b="100000" l="0" r="100000">
+                        <a14:foregroundMark x1="40404" y1="80000" x2="56566" y2="54902"/>
+                        <a14:foregroundMark x1="68687" y1="87843" x2="32828" y2="44314"/>
+                        <a14:foregroundMark x1="36869" y1="87843" x2="70707" y2="49020"/>
+                        <a14:foregroundMark x1="72727" y1="81569" x2="30808" y2="78431"/>
+                        <a14:foregroundMark x1="30808" y1="56471" x2="60606" y2="20784"/>
+                      </a14:backgroundRemoval>
+                    </a14:imgEffect>
+                  </a14:imgLayer>
+                </a14:imgProps>
+              </a:ext>
+              <a:ext uri="{28A0092B-C50C-407E-A947-70E740481C1C}">
+                <a14:useLocalDpi xmlns:a14="http://schemas.microsoft.com/office/drawing/2010/main" val="0"/>
+              </a:ext>
+            </a:extLst>
+          </a:blip>
+          <a:stretch>
+            <a:fillRect/>
+          </a:stretch>
+        </p:blipFill>
+        <p:spPr>
+          <a:xfrm>
+            <a:off x="5788935" y="3096537"/>
+            <a:ext cx="158242" cy="203795"/>
+          </a:xfrm>
+          <a:prstGeom prst="rect">
+            <a:avLst/>
+          </a:prstGeom>
+        </p:spPr>
+      </p:pic>
+      <p:pic>
+        <p:nvPicPr>
+          <p:cNvPr id="12" name="Picture 11">
+            <a:extLst>
+              <a:ext uri="{FF2B5EF4-FFF2-40B4-BE49-F238E27FC236}">
+                <a16:creationId xmlns:a16="http://schemas.microsoft.com/office/drawing/2014/main" id="{D4AEDA0E-4EAA-4FAF-9ACF-423AF293AC2C}"/>
+              </a:ext>
+            </a:extLst>
+          </p:cNvPr>
+          <p:cNvPicPr>
+            <a:picLocks noChangeAspect="1"/>
+          </p:cNvPicPr>
+          <p:nvPr/>
+        </p:nvPicPr>
+        <p:blipFill rotWithShape="1">
+          <a:blip r:embed="rId7">
+            <a:extLst>
+              <a:ext uri="{28A0092B-C50C-407E-A947-70E740481C1C}">
+                <a14:useLocalDpi xmlns:a14="http://schemas.microsoft.com/office/drawing/2010/main" val="0"/>
+              </a:ext>
+            </a:extLst>
+          </a:blip>
+          <a:srcRect l="19497" t="15784" r="20533" b="30482"/>
+          <a:stretch/>
+        </p:blipFill>
+        <p:spPr>
+          <a:xfrm>
+            <a:off x="6156455" y="3492973"/>
+            <a:ext cx="142511" cy="138863"/>
+          </a:xfrm>
+          <a:prstGeom prst="rect">
+            <a:avLst/>
+          </a:prstGeom>
+        </p:spPr>
+      </p:pic>
+      <p:sp>
+        <p:nvSpPr>
+          <p:cNvPr id="13" name="Oval 12">
+            <a:extLst>
+              <a:ext uri="{FF2B5EF4-FFF2-40B4-BE49-F238E27FC236}">
+                <a16:creationId xmlns:a16="http://schemas.microsoft.com/office/drawing/2014/main" id="{C25C43EA-03F5-4BD9-BD35-FC4ECFEE32F3}"/>
+              </a:ext>
+            </a:extLst>
+          </p:cNvPr>
+          <p:cNvSpPr/>
+          <p:nvPr/>
+        </p:nvSpPr>
+        <p:spPr>
+          <a:xfrm>
+            <a:off x="505981" y="1083793"/>
+            <a:ext cx="2196071" cy="1996430"/>
+          </a:xfrm>
+          <a:prstGeom prst="ellipse">
+            <a:avLst/>
+          </a:prstGeom>
+          <a:solidFill>
+            <a:schemeClr val="bg1"/>
+          </a:solidFill>
+          <a:ln w="76200">
+            <a:solidFill>
+              <a:srgbClr val="00B050"/>
+            </a:solidFill>
+          </a:ln>
+        </p:spPr>
+        <p:style>
+          <a:lnRef idx="2">
+            <a:schemeClr val="accent1">
+              <a:shade val="50000"/>
+            </a:schemeClr>
+          </a:lnRef>
+          <a:fillRef idx="1">
+            <a:schemeClr val="accent1"/>
+          </a:fillRef>
+          <a:effectRef idx="0">
+            <a:schemeClr val="accent1"/>
+          </a:effectRef>
+          <a:fontRef idx="minor">
+            <a:schemeClr val="lt1"/>
+          </a:fontRef>
+        </p:style>
+        <p:txBody>
+          <a:bodyPr rot="0" spcFirstLastPara="0" vertOverflow="overflow" horzOverflow="overflow" vert="horz" wrap="square" lIns="0" tIns="0" rIns="0" bIns="1005840" numCol="1" spcCol="0" rtlCol="0" fromWordArt="0" anchor="ctr" anchorCtr="0" forceAA="0" compatLnSpc="1">
+            <a:prstTxWarp prst="textNoShape">
+              <a:avLst/>
+            </a:prstTxWarp>
+            <a:noAutofit/>
+          </a:bodyPr>
+          <a:lstStyle/>
+          <a:p>
+            <a:pPr algn="ctr"/>
+            <a:r>
+              <a:rPr lang="tr-TR" sz="49600" dirty="0">
+                <a:ln w="0"/>
+                <a:solidFill>
+                  <a:srgbClr val="00B050"/>
+                </a:solidFill>
+                <a:effectLst>
+                  <a:outerShdw blurRad="38100" dist="25400" dir="5400000" algn="ctr" rotWithShape="0">
+                    <a:srgbClr val="6E747A">
+                      <a:alpha val="43000"/>
+                    </a:srgbClr>
+                  </a:outerShdw>
+                </a:effectLst>
+              </a:rPr>
+              <a:t>-</a:t>
+            </a:r>
+            <a:endParaRPr lang="en-US" sz="49600" dirty="0">
+              <a:ln w="0"/>
+              <a:solidFill>
+                <a:srgbClr val="00B050"/>
+              </a:solidFill>
+              <a:effectLst>
+                <a:outerShdw blurRad="38100" dist="25400" dir="5400000" algn="ctr" rotWithShape="0">
+                  <a:srgbClr val="6E747A">
+                    <a:alpha val="43000"/>
+                  </a:srgbClr>
+                </a:outerShdw>
+              </a:effectLst>
+            </a:endParaRPr>
+          </a:p>
+        </p:txBody>
+      </p:sp>
+      <p:pic>
+        <p:nvPicPr>
+          <p:cNvPr id="15" name="Picture 14">
+            <a:extLst>
+              <a:ext uri="{FF2B5EF4-FFF2-40B4-BE49-F238E27FC236}">
+                <a16:creationId xmlns:a16="http://schemas.microsoft.com/office/drawing/2014/main" id="{9147C556-3F64-470C-90F4-C794DC8E255B}"/>
+              </a:ext>
+            </a:extLst>
+          </p:cNvPr>
+          <p:cNvPicPr>
+            <a:picLocks noChangeAspect="1"/>
+          </p:cNvPicPr>
+          <p:nvPr/>
+        </p:nvPicPr>
+        <p:blipFill rotWithShape="1">
+          <a:blip r:embed="rId10">
+            <a:extLst>
+              <a:ext uri="{28A0092B-C50C-407E-A947-70E740481C1C}">
+                <a14:useLocalDpi xmlns:a14="http://schemas.microsoft.com/office/drawing/2010/main" val="0"/>
+              </a:ext>
+            </a:extLst>
+          </a:blip>
+          <a:srcRect l="37539" t="37833" r="37703" b="45770"/>
+          <a:stretch/>
+        </p:blipFill>
+        <p:spPr>
+          <a:xfrm>
+            <a:off x="6327405" y="3096537"/>
+            <a:ext cx="142512" cy="138863"/>
+          </a:xfrm>
+          <a:prstGeom prst="rect">
+            <a:avLst/>
+          </a:prstGeom>
+        </p:spPr>
+      </p:pic>
     </p:spTree>
     <p:extLst>
       <p:ext uri="{BB962C8B-B14F-4D97-AF65-F5344CB8AC3E}">
         <p14:creationId xmlns:p14="http://schemas.microsoft.com/office/powerpoint/2010/main" val="1760089150"/>
+      </p:ext>
+    </p:extLst>
+  </p:cSld>
+  <p:clrMapOvr>
+    <a:masterClrMapping/>
+  </p:clrMapOvr>
+</p:sld>
+</file>
+
+<file path=ppt/slides/slide2.xml><?xml version="1.0" encoding="utf-8"?>
+<p:sld xmlns:a="http://schemas.openxmlformats.org/drawingml/2006/main" xmlns:r="http://schemas.openxmlformats.org/officeDocument/2006/relationships" xmlns:p="http://schemas.openxmlformats.org/presentationml/2006/main">
+  <p:cSld>
+    <p:spTree>
+      <p:nvGrpSpPr>
+        <p:cNvPr id="1" name=""/>
+        <p:cNvGrpSpPr/>
+        <p:nvPr/>
+      </p:nvGrpSpPr>
+      <p:grpSpPr>
+        <a:xfrm>
+          <a:off x="0" y="0"/>
+          <a:ext cx="0" cy="0"/>
+          <a:chOff x="0" y="0"/>
+          <a:chExt cx="0" cy="0"/>
+        </a:xfrm>
+      </p:grpSpPr>
+      <p:sp>
+        <p:nvSpPr>
+          <p:cNvPr id="4" name="Rectangle: Rounded Corners 3">
+            <a:extLst>
+              <a:ext uri="{FF2B5EF4-FFF2-40B4-BE49-F238E27FC236}">
+                <a16:creationId xmlns:a16="http://schemas.microsoft.com/office/drawing/2014/main" id="{F411C339-7E6D-4965-A84A-62F55AC29DC1}"/>
+              </a:ext>
+            </a:extLst>
+          </p:cNvPr>
+          <p:cNvSpPr/>
+          <p:nvPr/>
+        </p:nvSpPr>
+        <p:spPr>
+          <a:xfrm>
+            <a:off x="4394198" y="2337954"/>
+            <a:ext cx="3341995" cy="431115"/>
+          </a:xfrm>
+          <a:prstGeom prst="roundRect">
+            <a:avLst/>
+          </a:prstGeom>
+          <a:solidFill>
+            <a:schemeClr val="accent1">
+              <a:lumMod val="40000"/>
+              <a:lumOff val="60000"/>
+            </a:schemeClr>
+          </a:solidFill>
+          <a:scene3d>
+            <a:camera prst="orthographicFront"/>
+            <a:lightRig rig="threePt" dir="t"/>
+          </a:scene3d>
+          <a:sp3d>
+            <a:bevelT w="127000"/>
+          </a:sp3d>
+        </p:spPr>
+        <p:style>
+          <a:lnRef idx="2">
+            <a:schemeClr val="accent1">
+              <a:shade val="50000"/>
+            </a:schemeClr>
+          </a:lnRef>
+          <a:fillRef idx="1">
+            <a:schemeClr val="accent1"/>
+          </a:fillRef>
+          <a:effectRef idx="0">
+            <a:schemeClr val="accent1"/>
+          </a:effectRef>
+          <a:fontRef idx="minor">
+            <a:schemeClr val="lt1"/>
+          </a:fontRef>
+        </p:style>
+        <p:txBody>
+          <a:bodyPr rot="0" spcFirstLastPara="0" vertOverflow="overflow" horzOverflow="overflow" vert="horz" wrap="square" lIns="91440" tIns="45720" rIns="91440" bIns="45720" numCol="1" spcCol="0" rtlCol="0" fromWordArt="0" anchor="ctr" anchorCtr="0" forceAA="0" compatLnSpc="1">
+            <a:prstTxWarp prst="textNoShape">
+              <a:avLst/>
+            </a:prstTxWarp>
+            <a:noAutofit/>
+          </a:bodyPr>
+          <a:lstStyle/>
+          <a:p>
+            <a:pPr algn="ctr"/>
+            <a:r>
+              <a:rPr lang="tr-TR" sz="1400" dirty="0">
+                <a:ln w="0"/>
+                <a:solidFill>
+                  <a:schemeClr val="tx1"/>
+                </a:solidFill>
+                <a:effectLst>
+                  <a:outerShdw blurRad="38100" dist="19050" dir="2700000" algn="tl" rotWithShape="0">
+                    <a:schemeClr val="dk1">
+                      <a:alpha val="40000"/>
+                    </a:schemeClr>
+                  </a:outerShdw>
+                </a:effectLst>
+                <a:latin typeface="Times New Roman" panose="02020603050405020304" pitchFamily="18" charset="0"/>
+                <a:cs typeface="Times New Roman" panose="02020603050405020304" pitchFamily="18" charset="0"/>
+              </a:rPr>
+              <a:t>Tüm Raporları Göster</a:t>
+            </a:r>
+            <a:endParaRPr lang="en-US" sz="1400" dirty="0">
+              <a:ln w="0"/>
+              <a:solidFill>
+                <a:schemeClr val="tx1"/>
+              </a:solidFill>
+              <a:effectLst>
+                <a:outerShdw blurRad="38100" dist="19050" dir="2700000" algn="tl" rotWithShape="0">
+                  <a:schemeClr val="dk1">
+                    <a:alpha val="40000"/>
+                  </a:schemeClr>
+                </a:outerShdw>
+              </a:effectLst>
+              <a:latin typeface="Times New Roman" panose="02020603050405020304" pitchFamily="18" charset="0"/>
+              <a:cs typeface="Times New Roman" panose="02020603050405020304" pitchFamily="18" charset="0"/>
+            </a:endParaRPr>
+          </a:p>
+        </p:txBody>
+      </p:sp>
+      <p:sp>
+        <p:nvSpPr>
+          <p:cNvPr id="7" name="Rectangle: Rounded Corners 6">
+            <a:extLst>
+              <a:ext uri="{FF2B5EF4-FFF2-40B4-BE49-F238E27FC236}">
+                <a16:creationId xmlns:a16="http://schemas.microsoft.com/office/drawing/2014/main" id="{A253EB5E-914D-46CE-9B47-17CB3B6BF35E}"/>
+              </a:ext>
+            </a:extLst>
+          </p:cNvPr>
+          <p:cNvSpPr/>
+          <p:nvPr/>
+        </p:nvSpPr>
+        <p:spPr>
+          <a:xfrm>
+            <a:off x="4394197" y="3429000"/>
+            <a:ext cx="3341995" cy="431115"/>
+          </a:xfrm>
+          <a:prstGeom prst="roundRect">
+            <a:avLst/>
+          </a:prstGeom>
+          <a:solidFill>
+            <a:schemeClr val="accent1">
+              <a:lumMod val="60000"/>
+              <a:lumOff val="40000"/>
+            </a:schemeClr>
+          </a:solidFill>
+          <a:scene3d>
+            <a:camera prst="orthographicFront"/>
+            <a:lightRig rig="threePt" dir="t"/>
+          </a:scene3d>
+          <a:sp3d>
+            <a:bevelT w="127000"/>
+          </a:sp3d>
+        </p:spPr>
+        <p:style>
+          <a:lnRef idx="2">
+            <a:schemeClr val="accent1">
+              <a:shade val="50000"/>
+            </a:schemeClr>
+          </a:lnRef>
+          <a:fillRef idx="1">
+            <a:schemeClr val="accent1"/>
+          </a:fillRef>
+          <a:effectRef idx="0">
+            <a:schemeClr val="accent1"/>
+          </a:effectRef>
+          <a:fontRef idx="minor">
+            <a:schemeClr val="lt1"/>
+          </a:fontRef>
+        </p:style>
+        <p:txBody>
+          <a:bodyPr rot="0" spcFirstLastPara="0" vertOverflow="overflow" horzOverflow="overflow" vert="horz" wrap="square" lIns="91440" tIns="45720" rIns="91440" bIns="45720" numCol="1" spcCol="0" rtlCol="0" fromWordArt="0" anchor="ctr" anchorCtr="0" forceAA="0" compatLnSpc="1">
+            <a:prstTxWarp prst="textNoShape">
+              <a:avLst/>
+            </a:prstTxWarp>
+            <a:noAutofit/>
+          </a:bodyPr>
+          <a:lstStyle/>
+          <a:p>
+            <a:pPr algn="ctr"/>
+            <a:r>
+              <a:rPr lang="tr-TR" sz="1400" b="1" dirty="0">
+                <a:ln w="0"/>
+                <a:solidFill>
+                  <a:schemeClr val="tx1"/>
+                </a:solidFill>
+                <a:effectLst>
+                  <a:outerShdw blurRad="38100" dist="19050" dir="2700000" algn="tl" rotWithShape="0">
+                    <a:schemeClr val="dk1">
+                      <a:alpha val="40000"/>
+                    </a:schemeClr>
+                  </a:outerShdw>
+                </a:effectLst>
+                <a:latin typeface="Times New Roman" panose="02020603050405020304" pitchFamily="18" charset="0"/>
+                <a:cs typeface="Times New Roman" panose="02020603050405020304" pitchFamily="18" charset="0"/>
+              </a:rPr>
+              <a:t>Tüm Raporları Göster</a:t>
+            </a:r>
+            <a:endParaRPr lang="en-US" sz="1400" b="1" dirty="0">
+              <a:ln w="0"/>
+              <a:solidFill>
+                <a:schemeClr val="tx1"/>
+              </a:solidFill>
+              <a:effectLst>
+                <a:outerShdw blurRad="38100" dist="19050" dir="2700000" algn="tl" rotWithShape="0">
+                  <a:schemeClr val="dk1">
+                    <a:alpha val="40000"/>
+                  </a:schemeClr>
+                </a:outerShdw>
+              </a:effectLst>
+              <a:latin typeface="Times New Roman" panose="02020603050405020304" pitchFamily="18" charset="0"/>
+              <a:cs typeface="Times New Roman" panose="02020603050405020304" pitchFamily="18" charset="0"/>
+            </a:endParaRPr>
+          </a:p>
+        </p:txBody>
+      </p:sp>
+    </p:spTree>
+    <p:extLst>
+      <p:ext uri="{BB962C8B-B14F-4D97-AF65-F5344CB8AC3E}">
+        <p14:creationId xmlns:p14="http://schemas.microsoft.com/office/powerpoint/2010/main" val="1584433731"/>
       </p:ext>
     </p:extLst>
   </p:cSld>

--- a/Images/something.pptx
+++ b/Images/something.pptx
@@ -4,6 +4,9 @@
   <p:sldMasterIdLst>
     <p:sldMasterId id="2147483648" r:id="rId1"/>
   </p:sldMasterIdLst>
+  <p:notesMasterIdLst>
+    <p:notesMasterId r:id="rId4"/>
+  </p:notesMasterIdLst>
   <p:sldIdLst>
     <p:sldId id="256" r:id="rId2"/>
     <p:sldId id="257" r:id="rId3"/>
@@ -113,6 +116,439 @@
 </p:presentation>
 </file>
 
+<file path=ppt/notesMasters/notesMaster1.xml><?xml version="1.0" encoding="utf-8"?>
+<p:notesMaster xmlns:a="http://schemas.openxmlformats.org/drawingml/2006/main" xmlns:r="http://schemas.openxmlformats.org/officeDocument/2006/relationships" xmlns:p="http://schemas.openxmlformats.org/presentationml/2006/main">
+  <p:cSld>
+    <p:bg>
+      <p:bgRef idx="1001">
+        <a:schemeClr val="bg1"/>
+      </p:bgRef>
+    </p:bg>
+    <p:spTree>
+      <p:nvGrpSpPr>
+        <p:cNvPr id="1" name=""/>
+        <p:cNvGrpSpPr/>
+        <p:nvPr/>
+      </p:nvGrpSpPr>
+      <p:grpSpPr>
+        <a:xfrm>
+          <a:off x="0" y="0"/>
+          <a:ext cx="0" cy="0"/>
+          <a:chOff x="0" y="0"/>
+          <a:chExt cx="0" cy="0"/>
+        </a:xfrm>
+      </p:grpSpPr>
+      <p:sp>
+        <p:nvSpPr>
+          <p:cNvPr id="2" name="Header Placeholder 1"/>
+          <p:cNvSpPr>
+            <a:spLocks noGrp="1"/>
+          </p:cNvSpPr>
+          <p:nvPr>
+            <p:ph type="hdr" sz="quarter"/>
+          </p:nvPr>
+        </p:nvSpPr>
+        <p:spPr>
+          <a:xfrm>
+            <a:off x="0" y="0"/>
+            <a:ext cx="2971800" cy="458788"/>
+          </a:xfrm>
+          <a:prstGeom prst="rect">
+            <a:avLst/>
+          </a:prstGeom>
+        </p:spPr>
+        <p:txBody>
+          <a:bodyPr vert="horz" lIns="91440" tIns="45720" rIns="91440" bIns="45720" rtlCol="0"/>
+          <a:lstStyle>
+            <a:lvl1pPr algn="l">
+              <a:defRPr sz="1200"/>
+            </a:lvl1pPr>
+          </a:lstStyle>
+          <a:p>
+            <a:endParaRPr lang="en-US"/>
+          </a:p>
+        </p:txBody>
+      </p:sp>
+      <p:sp>
+        <p:nvSpPr>
+          <p:cNvPr id="3" name="Date Placeholder 2"/>
+          <p:cNvSpPr>
+            <a:spLocks noGrp="1"/>
+          </p:cNvSpPr>
+          <p:nvPr>
+            <p:ph type="dt" idx="1"/>
+          </p:nvPr>
+        </p:nvSpPr>
+        <p:spPr>
+          <a:xfrm>
+            <a:off x="3884613" y="0"/>
+            <a:ext cx="2971800" cy="458788"/>
+          </a:xfrm>
+          <a:prstGeom prst="rect">
+            <a:avLst/>
+          </a:prstGeom>
+        </p:spPr>
+        <p:txBody>
+          <a:bodyPr vert="horz" lIns="91440" tIns="45720" rIns="91440" bIns="45720" rtlCol="0"/>
+          <a:lstStyle>
+            <a:lvl1pPr algn="r">
+              <a:defRPr sz="1200"/>
+            </a:lvl1pPr>
+          </a:lstStyle>
+          <a:p>
+            <a:fld id="{83701286-C884-4CF0-B543-958CCE406AB2}" type="datetimeFigureOut">
+              <a:rPr lang="en-US" smtClean="0"/>
+              <a:t>4/10/2020</a:t>
+            </a:fld>
+            <a:endParaRPr lang="en-US"/>
+          </a:p>
+        </p:txBody>
+      </p:sp>
+      <p:sp>
+        <p:nvSpPr>
+          <p:cNvPr id="4" name="Slide Image Placeholder 3"/>
+          <p:cNvSpPr>
+            <a:spLocks noGrp="1" noRot="1" noChangeAspect="1"/>
+          </p:cNvSpPr>
+          <p:nvPr>
+            <p:ph type="sldImg" idx="2"/>
+          </p:nvPr>
+        </p:nvSpPr>
+        <p:spPr>
+          <a:xfrm>
+            <a:off x="685800" y="1143000"/>
+            <a:ext cx="5486400" cy="3086100"/>
+          </a:xfrm>
+          <a:prstGeom prst="rect">
+            <a:avLst/>
+          </a:prstGeom>
+          <a:noFill/>
+          <a:ln w="12700">
+            <a:solidFill>
+              <a:prstClr val="black"/>
+            </a:solidFill>
+          </a:ln>
+        </p:spPr>
+        <p:txBody>
+          <a:bodyPr vert="horz" lIns="91440" tIns="45720" rIns="91440" bIns="45720" rtlCol="0" anchor="ctr"/>
+          <a:lstStyle/>
+          <a:p>
+            <a:endParaRPr lang="en-US"/>
+          </a:p>
+        </p:txBody>
+      </p:sp>
+      <p:sp>
+        <p:nvSpPr>
+          <p:cNvPr id="5" name="Notes Placeholder 4"/>
+          <p:cNvSpPr>
+            <a:spLocks noGrp="1"/>
+          </p:cNvSpPr>
+          <p:nvPr>
+            <p:ph type="body" sz="quarter" idx="3"/>
+          </p:nvPr>
+        </p:nvSpPr>
+        <p:spPr>
+          <a:xfrm>
+            <a:off x="685800" y="4400550"/>
+            <a:ext cx="5486400" cy="3600450"/>
+          </a:xfrm>
+          <a:prstGeom prst="rect">
+            <a:avLst/>
+          </a:prstGeom>
+        </p:spPr>
+        <p:txBody>
+          <a:bodyPr vert="horz" lIns="91440" tIns="45720" rIns="91440" bIns="45720" rtlCol="0"/>
+          <a:lstStyle/>
+          <a:p>
+            <a:pPr lvl="0"/>
+            <a:r>
+              <a:rPr lang="en-US"/>
+              <a:t>Click to edit Master text styles</a:t>
+            </a:r>
+          </a:p>
+          <a:p>
+            <a:pPr lvl="1"/>
+            <a:r>
+              <a:rPr lang="en-US"/>
+              <a:t>Second level</a:t>
+            </a:r>
+          </a:p>
+          <a:p>
+            <a:pPr lvl="2"/>
+            <a:r>
+              <a:rPr lang="en-US"/>
+              <a:t>Third level</a:t>
+            </a:r>
+          </a:p>
+          <a:p>
+            <a:pPr lvl="3"/>
+            <a:r>
+              <a:rPr lang="en-US"/>
+              <a:t>Fourth level</a:t>
+            </a:r>
+          </a:p>
+          <a:p>
+            <a:pPr lvl="4"/>
+            <a:r>
+              <a:rPr lang="en-US"/>
+              <a:t>Fifth level</a:t>
+            </a:r>
+          </a:p>
+        </p:txBody>
+      </p:sp>
+      <p:sp>
+        <p:nvSpPr>
+          <p:cNvPr id="6" name="Footer Placeholder 5"/>
+          <p:cNvSpPr>
+            <a:spLocks noGrp="1"/>
+          </p:cNvSpPr>
+          <p:nvPr>
+            <p:ph type="ftr" sz="quarter" idx="4"/>
+          </p:nvPr>
+        </p:nvSpPr>
+        <p:spPr>
+          <a:xfrm>
+            <a:off x="0" y="8685213"/>
+            <a:ext cx="2971800" cy="458787"/>
+          </a:xfrm>
+          <a:prstGeom prst="rect">
+            <a:avLst/>
+          </a:prstGeom>
+        </p:spPr>
+        <p:txBody>
+          <a:bodyPr vert="horz" lIns="91440" tIns="45720" rIns="91440" bIns="45720" rtlCol="0" anchor="b"/>
+          <a:lstStyle>
+            <a:lvl1pPr algn="l">
+              <a:defRPr sz="1200"/>
+            </a:lvl1pPr>
+          </a:lstStyle>
+          <a:p>
+            <a:endParaRPr lang="en-US"/>
+          </a:p>
+        </p:txBody>
+      </p:sp>
+      <p:sp>
+        <p:nvSpPr>
+          <p:cNvPr id="7" name="Slide Number Placeholder 6"/>
+          <p:cNvSpPr>
+            <a:spLocks noGrp="1"/>
+          </p:cNvSpPr>
+          <p:nvPr>
+            <p:ph type="sldNum" sz="quarter" idx="5"/>
+          </p:nvPr>
+        </p:nvSpPr>
+        <p:spPr>
+          <a:xfrm>
+            <a:off x="3884613" y="8685213"/>
+            <a:ext cx="2971800" cy="458787"/>
+          </a:xfrm>
+          <a:prstGeom prst="rect">
+            <a:avLst/>
+          </a:prstGeom>
+        </p:spPr>
+        <p:txBody>
+          <a:bodyPr vert="horz" lIns="91440" tIns="45720" rIns="91440" bIns="45720" rtlCol="0" anchor="b"/>
+          <a:lstStyle>
+            <a:lvl1pPr algn="r">
+              <a:defRPr sz="1200"/>
+            </a:lvl1pPr>
+          </a:lstStyle>
+          <a:p>
+            <a:fld id="{6D6B8C65-0009-4CC8-A4E2-3259AAB9690B}" type="slidenum">
+              <a:rPr lang="en-US" smtClean="0"/>
+              <a:t>‹#›</a:t>
+            </a:fld>
+            <a:endParaRPr lang="en-US"/>
+          </a:p>
+        </p:txBody>
+      </p:sp>
+    </p:spTree>
+    <p:extLst>
+      <p:ext uri="{BB962C8B-B14F-4D97-AF65-F5344CB8AC3E}">
+        <p14:creationId xmlns:p14="http://schemas.microsoft.com/office/powerpoint/2010/main" val="184201220"/>
+      </p:ext>
+    </p:extLst>
+  </p:cSld>
+  <p:clrMap bg1="lt1" tx1="dk1" bg2="lt2" tx2="dk2" accent1="accent1" accent2="accent2" accent3="accent3" accent4="accent4" accent5="accent5" accent6="accent6" hlink="hlink" folHlink="folHlink"/>
+  <p:notesStyle>
+    <a:lvl1pPr marL="0" algn="l" defTabSz="914400" rtl="0" eaLnBrk="1" latinLnBrk="0" hangingPunct="1">
+      <a:defRPr sz="1200" kern="1200">
+        <a:solidFill>
+          <a:schemeClr val="tx1"/>
+        </a:solidFill>
+        <a:latin typeface="+mn-lt"/>
+        <a:ea typeface="+mn-ea"/>
+        <a:cs typeface="+mn-cs"/>
+      </a:defRPr>
+    </a:lvl1pPr>
+    <a:lvl2pPr marL="457200" algn="l" defTabSz="914400" rtl="0" eaLnBrk="1" latinLnBrk="0" hangingPunct="1">
+      <a:defRPr sz="1200" kern="1200">
+        <a:solidFill>
+          <a:schemeClr val="tx1"/>
+        </a:solidFill>
+        <a:latin typeface="+mn-lt"/>
+        <a:ea typeface="+mn-ea"/>
+        <a:cs typeface="+mn-cs"/>
+      </a:defRPr>
+    </a:lvl2pPr>
+    <a:lvl3pPr marL="914400" algn="l" defTabSz="914400" rtl="0" eaLnBrk="1" latinLnBrk="0" hangingPunct="1">
+      <a:defRPr sz="1200" kern="1200">
+        <a:solidFill>
+          <a:schemeClr val="tx1"/>
+        </a:solidFill>
+        <a:latin typeface="+mn-lt"/>
+        <a:ea typeface="+mn-ea"/>
+        <a:cs typeface="+mn-cs"/>
+      </a:defRPr>
+    </a:lvl3pPr>
+    <a:lvl4pPr marL="1371600" algn="l" defTabSz="914400" rtl="0" eaLnBrk="1" latinLnBrk="0" hangingPunct="1">
+      <a:defRPr sz="1200" kern="1200">
+        <a:solidFill>
+          <a:schemeClr val="tx1"/>
+        </a:solidFill>
+        <a:latin typeface="+mn-lt"/>
+        <a:ea typeface="+mn-ea"/>
+        <a:cs typeface="+mn-cs"/>
+      </a:defRPr>
+    </a:lvl4pPr>
+    <a:lvl5pPr marL="1828800" algn="l" defTabSz="914400" rtl="0" eaLnBrk="1" latinLnBrk="0" hangingPunct="1">
+      <a:defRPr sz="1200" kern="1200">
+        <a:solidFill>
+          <a:schemeClr val="tx1"/>
+        </a:solidFill>
+        <a:latin typeface="+mn-lt"/>
+        <a:ea typeface="+mn-ea"/>
+        <a:cs typeface="+mn-cs"/>
+      </a:defRPr>
+    </a:lvl5pPr>
+    <a:lvl6pPr marL="2286000" algn="l" defTabSz="914400" rtl="0" eaLnBrk="1" latinLnBrk="0" hangingPunct="1">
+      <a:defRPr sz="1200" kern="1200">
+        <a:solidFill>
+          <a:schemeClr val="tx1"/>
+        </a:solidFill>
+        <a:latin typeface="+mn-lt"/>
+        <a:ea typeface="+mn-ea"/>
+        <a:cs typeface="+mn-cs"/>
+      </a:defRPr>
+    </a:lvl6pPr>
+    <a:lvl7pPr marL="2743200" algn="l" defTabSz="914400" rtl="0" eaLnBrk="1" latinLnBrk="0" hangingPunct="1">
+      <a:defRPr sz="1200" kern="1200">
+        <a:solidFill>
+          <a:schemeClr val="tx1"/>
+        </a:solidFill>
+        <a:latin typeface="+mn-lt"/>
+        <a:ea typeface="+mn-ea"/>
+        <a:cs typeface="+mn-cs"/>
+      </a:defRPr>
+    </a:lvl7pPr>
+    <a:lvl8pPr marL="3200400" algn="l" defTabSz="914400" rtl="0" eaLnBrk="1" latinLnBrk="0" hangingPunct="1">
+      <a:defRPr sz="1200" kern="1200">
+        <a:solidFill>
+          <a:schemeClr val="tx1"/>
+        </a:solidFill>
+        <a:latin typeface="+mn-lt"/>
+        <a:ea typeface="+mn-ea"/>
+        <a:cs typeface="+mn-cs"/>
+      </a:defRPr>
+    </a:lvl8pPr>
+    <a:lvl9pPr marL="3657600" algn="l" defTabSz="914400" rtl="0" eaLnBrk="1" latinLnBrk="0" hangingPunct="1">
+      <a:defRPr sz="1200" kern="1200">
+        <a:solidFill>
+          <a:schemeClr val="tx1"/>
+        </a:solidFill>
+        <a:latin typeface="+mn-lt"/>
+        <a:ea typeface="+mn-ea"/>
+        <a:cs typeface="+mn-cs"/>
+      </a:defRPr>
+    </a:lvl9pPr>
+  </p:notesStyle>
+</p:notesMaster>
+</file>
+
+<file path=ppt/notesSlides/notesSlide1.xml><?xml version="1.0" encoding="utf-8"?>
+<p:notes xmlns:a="http://schemas.openxmlformats.org/drawingml/2006/main" xmlns:r="http://schemas.openxmlformats.org/officeDocument/2006/relationships" xmlns:p="http://schemas.openxmlformats.org/presentationml/2006/main">
+  <p:cSld>
+    <p:spTree>
+      <p:nvGrpSpPr>
+        <p:cNvPr id="1" name=""/>
+        <p:cNvGrpSpPr/>
+        <p:nvPr/>
+      </p:nvGrpSpPr>
+      <p:grpSpPr>
+        <a:xfrm>
+          <a:off x="0" y="0"/>
+          <a:ext cx="0" cy="0"/>
+          <a:chOff x="0" y="0"/>
+          <a:chExt cx="0" cy="0"/>
+        </a:xfrm>
+      </p:grpSpPr>
+      <p:sp>
+        <p:nvSpPr>
+          <p:cNvPr id="2" name="Slide Image Placeholder 1"/>
+          <p:cNvSpPr>
+            <a:spLocks noGrp="1" noRot="1" noChangeAspect="1"/>
+          </p:cNvSpPr>
+          <p:nvPr>
+            <p:ph type="sldImg"/>
+          </p:nvPr>
+        </p:nvSpPr>
+        <p:spPr/>
+      </p:sp>
+      <p:sp>
+        <p:nvSpPr>
+          <p:cNvPr id="3" name="Notes Placeholder 2"/>
+          <p:cNvSpPr>
+            <a:spLocks noGrp="1"/>
+          </p:cNvSpPr>
+          <p:nvPr>
+            <p:ph type="body" idx="1"/>
+          </p:nvPr>
+        </p:nvSpPr>
+        <p:spPr/>
+        <p:txBody>
+          <a:bodyPr/>
+          <a:lstStyle/>
+          <a:p>
+            <a:endParaRPr lang="en-US" dirty="0"/>
+          </a:p>
+        </p:txBody>
+      </p:sp>
+      <p:sp>
+        <p:nvSpPr>
+          <p:cNvPr id="4" name="Slide Number Placeholder 3"/>
+          <p:cNvSpPr>
+            <a:spLocks noGrp="1"/>
+          </p:cNvSpPr>
+          <p:nvPr>
+            <p:ph type="sldNum" sz="quarter" idx="5"/>
+          </p:nvPr>
+        </p:nvSpPr>
+        <p:spPr/>
+        <p:txBody>
+          <a:bodyPr/>
+          <a:lstStyle/>
+          <a:p>
+            <a:fld id="{6D6B8C65-0009-4CC8-A4E2-3259AAB9690B}" type="slidenum">
+              <a:rPr lang="en-US" smtClean="0"/>
+              <a:t>1</a:t>
+            </a:fld>
+            <a:endParaRPr lang="en-US"/>
+          </a:p>
+        </p:txBody>
+      </p:sp>
+    </p:spTree>
+    <p:extLst>
+      <p:ext uri="{BB962C8B-B14F-4D97-AF65-F5344CB8AC3E}">
+        <p14:creationId xmlns:p14="http://schemas.microsoft.com/office/powerpoint/2010/main" val="291076271"/>
+      </p:ext>
+    </p:extLst>
+  </p:cSld>
+  <p:clrMapOvr>
+    <a:masterClrMapping/>
+  </p:clrMapOvr>
+</p:notes>
+</file>
+
 <file path=ppt/slideLayouts/slideLayout1.xml><?xml version="1.0" encoding="utf-8"?>
 <p:sldLayout xmlns:a="http://schemas.openxmlformats.org/drawingml/2006/main" xmlns:r="http://schemas.openxmlformats.org/officeDocument/2006/relationships" xmlns:p="http://schemas.openxmlformats.org/presentationml/2006/main" type="title" preserve="1">
   <p:cSld name="Title Slide">
@@ -260,7 +696,7 @@
           <a:p>
             <a:fld id="{F5D9C6CE-3FD7-4A98-BB63-1AA71BDC5835}" type="datetimeFigureOut">
               <a:rPr lang="en-US" smtClean="0"/>
-              <a:t>4/9/2020</a:t>
+              <a:t>4/10/2020</a:t>
             </a:fld>
             <a:endParaRPr lang="en-US"/>
           </a:p>
@@ -458,7 +894,7 @@
           <a:p>
             <a:fld id="{F5D9C6CE-3FD7-4A98-BB63-1AA71BDC5835}" type="datetimeFigureOut">
               <a:rPr lang="en-US" smtClean="0"/>
-              <a:t>4/9/2020</a:t>
+              <a:t>4/10/2020</a:t>
             </a:fld>
             <a:endParaRPr lang="en-US"/>
           </a:p>
@@ -666,7 +1102,7 @@
           <a:p>
             <a:fld id="{F5D9C6CE-3FD7-4A98-BB63-1AA71BDC5835}" type="datetimeFigureOut">
               <a:rPr lang="en-US" smtClean="0"/>
-              <a:t>4/9/2020</a:t>
+              <a:t>4/10/2020</a:t>
             </a:fld>
             <a:endParaRPr lang="en-US"/>
           </a:p>
@@ -864,7 +1300,7 @@
           <a:p>
             <a:fld id="{F5D9C6CE-3FD7-4A98-BB63-1AA71BDC5835}" type="datetimeFigureOut">
               <a:rPr lang="en-US" smtClean="0"/>
-              <a:t>4/9/2020</a:t>
+              <a:t>4/10/2020</a:t>
             </a:fld>
             <a:endParaRPr lang="en-US"/>
           </a:p>
@@ -1139,7 +1575,7 @@
           <a:p>
             <a:fld id="{F5D9C6CE-3FD7-4A98-BB63-1AA71BDC5835}" type="datetimeFigureOut">
               <a:rPr lang="en-US" smtClean="0"/>
-              <a:t>4/9/2020</a:t>
+              <a:t>4/10/2020</a:t>
             </a:fld>
             <a:endParaRPr lang="en-US"/>
           </a:p>
@@ -1404,7 +1840,7 @@
           <a:p>
             <a:fld id="{F5D9C6CE-3FD7-4A98-BB63-1AA71BDC5835}" type="datetimeFigureOut">
               <a:rPr lang="en-US" smtClean="0"/>
-              <a:t>4/9/2020</a:t>
+              <a:t>4/10/2020</a:t>
             </a:fld>
             <a:endParaRPr lang="en-US"/>
           </a:p>
@@ -1816,7 +2252,7 @@
           <a:p>
             <a:fld id="{F5D9C6CE-3FD7-4A98-BB63-1AA71BDC5835}" type="datetimeFigureOut">
               <a:rPr lang="en-US" smtClean="0"/>
-              <a:t>4/9/2020</a:t>
+              <a:t>4/10/2020</a:t>
             </a:fld>
             <a:endParaRPr lang="en-US"/>
           </a:p>
@@ -1957,7 +2393,7 @@
           <a:p>
             <a:fld id="{F5D9C6CE-3FD7-4A98-BB63-1AA71BDC5835}" type="datetimeFigureOut">
               <a:rPr lang="en-US" smtClean="0"/>
-              <a:t>4/9/2020</a:t>
+              <a:t>4/10/2020</a:t>
             </a:fld>
             <a:endParaRPr lang="en-US"/>
           </a:p>
@@ -2070,7 +2506,7 @@
           <a:p>
             <a:fld id="{F5D9C6CE-3FD7-4A98-BB63-1AA71BDC5835}" type="datetimeFigureOut">
               <a:rPr lang="en-US" smtClean="0"/>
-              <a:t>4/9/2020</a:t>
+              <a:t>4/10/2020</a:t>
             </a:fld>
             <a:endParaRPr lang="en-US"/>
           </a:p>
@@ -2381,7 +2817,7 @@
           <a:p>
             <a:fld id="{F5D9C6CE-3FD7-4A98-BB63-1AA71BDC5835}" type="datetimeFigureOut">
               <a:rPr lang="en-US" smtClean="0"/>
-              <a:t>4/9/2020</a:t>
+              <a:t>4/10/2020</a:t>
             </a:fld>
             <a:endParaRPr lang="en-US"/>
           </a:p>
@@ -2669,7 +3105,7 @@
           <a:p>
             <a:fld id="{F5D9C6CE-3FD7-4A98-BB63-1AA71BDC5835}" type="datetimeFigureOut">
               <a:rPr lang="en-US" smtClean="0"/>
-              <a:t>4/9/2020</a:t>
+              <a:t>4/10/2020</a:t>
             </a:fld>
             <a:endParaRPr lang="en-US"/>
           </a:p>
@@ -2910,7 +3346,7 @@
           <a:p>
             <a:fld id="{F5D9C6CE-3FD7-4A98-BB63-1AA71BDC5835}" type="datetimeFigureOut">
               <a:rPr lang="en-US" smtClean="0"/>
-              <a:t>4/9/2020</a:t>
+              <a:t>4/10/2020</a:t>
             </a:fld>
             <a:endParaRPr lang="en-US"/>
           </a:p>
@@ -3342,7 +3778,7 @@
           <p:nvPr/>
         </p:nvPicPr>
         <p:blipFill>
-          <a:blip r:embed="rId2">
+          <a:blip r:embed="rId3">
             <a:extLst>
               <a:ext uri="{28A0092B-C50C-407E-A947-70E740481C1C}">
                 <a14:useLocalDpi xmlns:a14="http://schemas.microsoft.com/office/drawing/2010/main" val="0"/>
@@ -3378,7 +3814,7 @@
           <p:nvPr/>
         </p:nvPicPr>
         <p:blipFill>
-          <a:blip r:embed="rId3">
+          <a:blip r:embed="rId4">
             <a:extLst>
               <a:ext uri="{28A0092B-C50C-407E-A947-70E740481C1C}">
                 <a14:useLocalDpi xmlns:a14="http://schemas.microsoft.com/office/drawing/2010/main" val="0"/>
@@ -3414,11 +3850,11 @@
           <p:nvPr/>
         </p:nvPicPr>
         <p:blipFill>
-          <a:blip r:embed="rId4">
+          <a:blip r:embed="rId5">
             <a:extLst>
               <a:ext uri="{BEBA8EAE-BF5A-486C-A8C5-ECC9F3942E4B}">
                 <a14:imgProps xmlns:a14="http://schemas.microsoft.com/office/drawing/2010/main">
-                  <a14:imgLayer r:embed="rId5">
+                  <a14:imgLayer r:embed="rId6">
                     <a14:imgEffect>
                       <a14:backgroundRemoval t="1528" b="98472" l="5417" r="96389">
                         <a14:foregroundMark x1="18750" y1="55278" x2="74028" y2="41806"/>
@@ -3467,7 +3903,7 @@
           <p:nvPr/>
         </p:nvPicPr>
         <p:blipFill>
-          <a:blip r:embed="rId6">
+          <a:blip r:embed="rId7">
             <a:extLst>
               <a:ext uri="{28A0092B-C50C-407E-A947-70E740481C1C}">
                 <a14:useLocalDpi xmlns:a14="http://schemas.microsoft.com/office/drawing/2010/main" val="0"/>
@@ -3503,7 +3939,7 @@
           <p:nvPr/>
         </p:nvPicPr>
         <p:blipFill rotWithShape="1">
-          <a:blip r:embed="rId7">
+          <a:blip r:embed="rId8">
             <a:extLst>
               <a:ext uri="{28A0092B-C50C-407E-A947-70E740481C1C}">
                 <a14:useLocalDpi xmlns:a14="http://schemas.microsoft.com/office/drawing/2010/main" val="0"/>
@@ -3538,11 +3974,11 @@
           <p:nvPr/>
         </p:nvPicPr>
         <p:blipFill>
-          <a:blip r:embed="rId8">
+          <a:blip r:embed="rId9">
             <a:extLst>
               <a:ext uri="{BEBA8EAE-BF5A-486C-A8C5-ECC9F3942E4B}">
                 <a14:imgProps xmlns:a14="http://schemas.microsoft.com/office/drawing/2010/main">
-                  <a14:imgLayer r:embed="rId9">
+                  <a14:imgLayer r:embed="rId10">
                     <a14:imgEffect>
                       <a14:backgroundRemoval t="0" b="100000" l="0" r="100000">
                         <a14:foregroundMark x1="40404" y1="80000" x2="56566" y2="54902"/>
@@ -3589,7 +4025,7 @@
           <p:nvPr/>
         </p:nvPicPr>
         <p:blipFill rotWithShape="1">
-          <a:blip r:embed="rId7">
+          <a:blip r:embed="rId8">
             <a:extLst>
               <a:ext uri="{28A0092B-C50C-407E-A947-70E740481C1C}">
                 <a14:useLocalDpi xmlns:a14="http://schemas.microsoft.com/office/drawing/2010/main" val="0"/>
@@ -3609,12 +4045,534 @@
           </a:prstGeom>
         </p:spPr>
       </p:pic>
-      <p:sp>
-        <p:nvSpPr>
-          <p:cNvPr id="13" name="Oval 12">
-            <a:extLst>
-              <a:ext uri="{FF2B5EF4-FFF2-40B4-BE49-F238E27FC236}">
-                <a16:creationId xmlns:a16="http://schemas.microsoft.com/office/drawing/2014/main" id="{C25C43EA-03F5-4BD9-BD35-FC4ECFEE32F3}"/>
+      <p:pic>
+        <p:nvPicPr>
+          <p:cNvPr id="15" name="Picture 14">
+            <a:extLst>
+              <a:ext uri="{FF2B5EF4-FFF2-40B4-BE49-F238E27FC236}">
+                <a16:creationId xmlns:a16="http://schemas.microsoft.com/office/drawing/2014/main" id="{9147C556-3F64-470C-90F4-C794DC8E255B}"/>
+              </a:ext>
+            </a:extLst>
+          </p:cNvPr>
+          <p:cNvPicPr>
+            <a:picLocks noChangeAspect="1"/>
+          </p:cNvPicPr>
+          <p:nvPr/>
+        </p:nvPicPr>
+        <p:blipFill rotWithShape="1">
+          <a:blip r:embed="rId11">
+            <a:extLst>
+              <a:ext uri="{28A0092B-C50C-407E-A947-70E740481C1C}">
+                <a14:useLocalDpi xmlns:a14="http://schemas.microsoft.com/office/drawing/2010/main" val="0"/>
+              </a:ext>
+            </a:extLst>
+          </a:blip>
+          <a:srcRect l="37539" t="37833" r="37703" b="45770"/>
+          <a:stretch/>
+        </p:blipFill>
+        <p:spPr>
+          <a:xfrm>
+            <a:off x="6327405" y="3096537"/>
+            <a:ext cx="142512" cy="138863"/>
+          </a:xfrm>
+          <a:prstGeom prst="rect">
+            <a:avLst/>
+          </a:prstGeom>
+        </p:spPr>
+      </p:pic>
+      <p:pic>
+        <p:nvPicPr>
+          <p:cNvPr id="14" name="Picture 13">
+            <a:extLst>
+              <a:ext uri="{FF2B5EF4-FFF2-40B4-BE49-F238E27FC236}">
+                <a16:creationId xmlns:a16="http://schemas.microsoft.com/office/drawing/2014/main" id="{1A2E0315-9F63-4211-8F4C-C4E1BC0DB074}"/>
+              </a:ext>
+            </a:extLst>
+          </p:cNvPr>
+          <p:cNvPicPr>
+            <a:picLocks noChangeAspect="1"/>
+          </p:cNvPicPr>
+          <p:nvPr/>
+        </p:nvPicPr>
+        <p:blipFill>
+          <a:blip r:embed="rId12">
+            <a:extLst>
+              <a:ext uri="{28A0092B-C50C-407E-A947-70E740481C1C}">
+                <a14:useLocalDpi xmlns:a14="http://schemas.microsoft.com/office/drawing/2010/main" val="0"/>
+              </a:ext>
+            </a:extLst>
+          </a:blip>
+          <a:stretch>
+            <a:fillRect/>
+          </a:stretch>
+        </p:blipFill>
+        <p:spPr>
+          <a:xfrm>
+            <a:off x="6880198" y="3172270"/>
+            <a:ext cx="129511" cy="139195"/>
+          </a:xfrm>
+          <a:prstGeom prst="rect">
+            <a:avLst/>
+          </a:prstGeom>
+        </p:spPr>
+      </p:pic>
+      <p:pic>
+        <p:nvPicPr>
+          <p:cNvPr id="4" name="Picture 3">
+            <a:extLst>
+              <a:ext uri="{FF2B5EF4-FFF2-40B4-BE49-F238E27FC236}">
+                <a16:creationId xmlns:a16="http://schemas.microsoft.com/office/drawing/2014/main" id="{91E126B0-3F80-48D1-AC29-12C36092E161}"/>
+              </a:ext>
+            </a:extLst>
+          </p:cNvPr>
+          <p:cNvPicPr>
+            <a:picLocks noChangeAspect="1"/>
+          </p:cNvPicPr>
+          <p:nvPr/>
+        </p:nvPicPr>
+        <p:blipFill>
+          <a:blip r:embed="rId13">
+            <a:extLst>
+              <a:ext uri="{28A0092B-C50C-407E-A947-70E740481C1C}">
+                <a14:useLocalDpi xmlns:a14="http://schemas.microsoft.com/office/drawing/2010/main" val="0"/>
+              </a:ext>
+            </a:extLst>
+          </a:blip>
+          <a:stretch>
+            <a:fillRect/>
+          </a:stretch>
+        </p:blipFill>
+        <p:spPr>
+          <a:xfrm>
+            <a:off x="5575243" y="3110567"/>
+            <a:ext cx="183348" cy="183348"/>
+          </a:xfrm>
+          <a:prstGeom prst="rect">
+            <a:avLst/>
+          </a:prstGeom>
+        </p:spPr>
+      </p:pic>
+      <p:pic>
+        <p:nvPicPr>
+          <p:cNvPr id="10" name="Picture 9">
+            <a:extLst>
+              <a:ext uri="{FF2B5EF4-FFF2-40B4-BE49-F238E27FC236}">
+                <a16:creationId xmlns:a16="http://schemas.microsoft.com/office/drawing/2014/main" id="{A299E3F7-6366-487F-8941-DC8A3471D338}"/>
+              </a:ext>
+            </a:extLst>
+          </p:cNvPr>
+          <p:cNvPicPr>
+            <a:picLocks noChangeAspect="1"/>
+          </p:cNvPicPr>
+          <p:nvPr/>
+        </p:nvPicPr>
+        <p:blipFill rotWithShape="1">
+          <a:blip r:embed="rId14">
+            <a:extLst>
+              <a:ext uri="{BEBA8EAE-BF5A-486C-A8C5-ECC9F3942E4B}">
+                <a14:imgProps xmlns:a14="http://schemas.microsoft.com/office/drawing/2010/main">
+                  <a14:imgLayer r:embed="rId15">
+                    <a14:imgEffect>
+                      <a14:backgroundRemoval t="2861" b="96423" l="2742" r="100000"/>
+                    </a14:imgEffect>
+                  </a14:imgLayer>
+                </a14:imgProps>
+              </a:ext>
+              <a:ext uri="{28A0092B-C50C-407E-A947-70E740481C1C}">
+                <a14:useLocalDpi xmlns:a14="http://schemas.microsoft.com/office/drawing/2010/main" val="0"/>
+              </a:ext>
+            </a:extLst>
+          </a:blip>
+          <a:srcRect l="3895" t="1135" r="1701" b="4771"/>
+          <a:stretch/>
+        </p:blipFill>
+        <p:spPr>
+          <a:xfrm>
+            <a:off x="5453256" y="3143192"/>
+            <a:ext cx="183285" cy="184263"/>
+          </a:xfrm>
+          <a:prstGeom prst="rect">
+            <a:avLst/>
+          </a:prstGeom>
+        </p:spPr>
+      </p:pic>
+      <p:pic>
+        <p:nvPicPr>
+          <p:cNvPr id="17" name="Picture 16">
+            <a:extLst>
+              <a:ext uri="{FF2B5EF4-FFF2-40B4-BE49-F238E27FC236}">
+                <a16:creationId xmlns:a16="http://schemas.microsoft.com/office/drawing/2014/main" id="{2D2DFF62-13FD-42F5-AA10-E9A6A967085B}"/>
+              </a:ext>
+            </a:extLst>
+          </p:cNvPr>
+          <p:cNvPicPr>
+            <a:picLocks noChangeAspect="1"/>
+          </p:cNvPicPr>
+          <p:nvPr/>
+        </p:nvPicPr>
+        <p:blipFill>
+          <a:blip r:embed="rId16">
+            <a:extLst>
+              <a:ext uri="{28A0092B-C50C-407E-A947-70E740481C1C}">
+                <a14:useLocalDpi xmlns:a14="http://schemas.microsoft.com/office/drawing/2010/main" val="0"/>
+              </a:ext>
+            </a:extLst>
+          </a:blip>
+          <a:stretch>
+            <a:fillRect/>
+          </a:stretch>
+        </p:blipFill>
+        <p:spPr>
+          <a:xfrm>
+            <a:off x="6064934" y="3144420"/>
+            <a:ext cx="151527" cy="151527"/>
+          </a:xfrm>
+          <a:prstGeom prst="rect">
+            <a:avLst/>
+          </a:prstGeom>
+        </p:spPr>
+      </p:pic>
+      <p:grpSp>
+        <p:nvGrpSpPr>
+          <p:cNvPr id="23" name="Group 22">
+            <a:extLst>
+              <a:ext uri="{FF2B5EF4-FFF2-40B4-BE49-F238E27FC236}">
+                <a16:creationId xmlns:a16="http://schemas.microsoft.com/office/drawing/2014/main" id="{4A647407-4FB9-4FF6-B719-194BE1588E85}"/>
+              </a:ext>
+            </a:extLst>
+          </p:cNvPr>
+          <p:cNvGrpSpPr/>
+          <p:nvPr/>
+        </p:nvGrpSpPr>
+        <p:grpSpPr>
+          <a:xfrm>
+            <a:off x="3051429" y="2082008"/>
+            <a:ext cx="1234244" cy="1234244"/>
+            <a:chOff x="3051429" y="2082008"/>
+            <a:chExt cx="1234244" cy="1234244"/>
+          </a:xfrm>
+        </p:grpSpPr>
+        <p:sp>
+          <p:nvSpPr>
+            <p:cNvPr id="22" name="Rectangle: Rounded Corners 21">
+              <a:extLst>
+                <a:ext uri="{FF2B5EF4-FFF2-40B4-BE49-F238E27FC236}">
+                  <a16:creationId xmlns:a16="http://schemas.microsoft.com/office/drawing/2014/main" id="{5CBFE11D-6864-4CBF-8CCD-05AB23CB4270}"/>
+                </a:ext>
+              </a:extLst>
+            </p:cNvPr>
+            <p:cNvSpPr/>
+            <p:nvPr/>
+          </p:nvSpPr>
+          <p:spPr>
+            <a:xfrm>
+              <a:off x="3051429" y="2082008"/>
+              <a:ext cx="1234244" cy="1234244"/>
+            </a:xfrm>
+            <a:prstGeom prst="roundRect">
+              <a:avLst/>
+            </a:prstGeom>
+            <a:solidFill>
+              <a:schemeClr val="bg1"/>
+            </a:solidFill>
+            <a:ln w="76200">
+              <a:solidFill>
+                <a:srgbClr val="00B050"/>
+              </a:solidFill>
+            </a:ln>
+          </p:spPr>
+          <p:style>
+            <a:lnRef idx="2">
+              <a:schemeClr val="accent6">
+                <a:shade val="50000"/>
+              </a:schemeClr>
+            </a:lnRef>
+            <a:fillRef idx="1">
+              <a:schemeClr val="accent6"/>
+            </a:fillRef>
+            <a:effectRef idx="0">
+              <a:schemeClr val="accent6"/>
+            </a:effectRef>
+            <a:fontRef idx="minor">
+              <a:schemeClr val="lt1"/>
+            </a:fontRef>
+          </p:style>
+          <p:txBody>
+            <a:bodyPr rtlCol="0" anchor="ctr"/>
+            <a:lstStyle/>
+            <a:p>
+              <a:pPr algn="ctr"/>
+              <a:endParaRPr lang="en-US"/>
+            </a:p>
+          </p:txBody>
+        </p:sp>
+        <p:grpSp>
+          <p:nvGrpSpPr>
+            <p:cNvPr id="19" name="Group 18">
+              <a:extLst>
+                <a:ext uri="{FF2B5EF4-FFF2-40B4-BE49-F238E27FC236}">
+                  <a16:creationId xmlns:a16="http://schemas.microsoft.com/office/drawing/2014/main" id="{89E81C93-DA2B-44FB-8CF1-BD43E4376262}"/>
+                </a:ext>
+              </a:extLst>
+            </p:cNvPr>
+            <p:cNvGrpSpPr/>
+            <p:nvPr/>
+          </p:nvGrpSpPr>
+          <p:grpSpPr>
+            <a:xfrm>
+              <a:off x="3202876" y="2275789"/>
+              <a:ext cx="931349" cy="846681"/>
+              <a:chOff x="505981" y="1083793"/>
+              <a:chExt cx="2196071" cy="1996430"/>
+            </a:xfrm>
+          </p:grpSpPr>
+          <p:sp>
+            <p:nvSpPr>
+              <p:cNvPr id="13" name="Oval 12">
+                <a:extLst>
+                  <a:ext uri="{FF2B5EF4-FFF2-40B4-BE49-F238E27FC236}">
+                    <a16:creationId xmlns:a16="http://schemas.microsoft.com/office/drawing/2014/main" id="{C25C43EA-03F5-4BD9-BD35-FC4ECFEE32F3}"/>
+                  </a:ext>
+                </a:extLst>
+              </p:cNvPr>
+              <p:cNvSpPr/>
+              <p:nvPr/>
+            </p:nvSpPr>
+            <p:spPr>
+              <a:xfrm>
+                <a:off x="505981" y="1083793"/>
+                <a:ext cx="2196071" cy="1996430"/>
+              </a:xfrm>
+              <a:prstGeom prst="ellipse">
+                <a:avLst/>
+              </a:prstGeom>
+              <a:solidFill>
+                <a:schemeClr val="bg1"/>
+              </a:solidFill>
+              <a:ln w="76200">
+                <a:solidFill>
+                  <a:srgbClr val="00B050"/>
+                </a:solidFill>
+              </a:ln>
+            </p:spPr>
+            <p:style>
+              <a:lnRef idx="2">
+                <a:schemeClr val="accent1">
+                  <a:shade val="50000"/>
+                </a:schemeClr>
+              </a:lnRef>
+              <a:fillRef idx="1">
+                <a:schemeClr val="accent1"/>
+              </a:fillRef>
+              <a:effectRef idx="0">
+                <a:schemeClr val="accent1"/>
+              </a:effectRef>
+              <a:fontRef idx="minor">
+                <a:schemeClr val="lt1"/>
+              </a:fontRef>
+            </p:style>
+            <p:txBody>
+              <a:bodyPr rot="0" spcFirstLastPara="0" vertOverflow="overflow" horzOverflow="overflow" vert="horz" wrap="square" lIns="0" tIns="0" rIns="0" bIns="1005840" numCol="1" spcCol="0" rtlCol="0" fromWordArt="0" anchor="ctr" anchorCtr="0" forceAA="0" compatLnSpc="1">
+                <a:prstTxWarp prst="textNoShape">
+                  <a:avLst/>
+                </a:prstTxWarp>
+                <a:noAutofit/>
+              </a:bodyPr>
+              <a:lstStyle/>
+              <a:p>
+                <a:pPr algn="ctr"/>
+                <a:endParaRPr lang="en-US" sz="49600" dirty="0">
+                  <a:ln w="0"/>
+                  <a:solidFill>
+                    <a:srgbClr val="00B050"/>
+                  </a:solidFill>
+                  <a:effectLst>
+                    <a:outerShdw blurRad="38100" dist="25400" dir="5400000" algn="ctr" rotWithShape="0">
+                      <a:srgbClr val="6E747A">
+                        <a:alpha val="43000"/>
+                      </a:srgbClr>
+                    </a:outerShdw>
+                  </a:effectLst>
+                </a:endParaRPr>
+              </a:p>
+            </p:txBody>
+          </p:sp>
+          <p:sp>
+            <p:nvSpPr>
+              <p:cNvPr id="18" name="Arrow: Chevron 17">
+                <a:extLst>
+                  <a:ext uri="{FF2B5EF4-FFF2-40B4-BE49-F238E27FC236}">
+                    <a16:creationId xmlns:a16="http://schemas.microsoft.com/office/drawing/2014/main" id="{C0132E5B-C22C-442C-BFED-C48DC006C9E0}"/>
+                  </a:ext>
+                </a:extLst>
+              </p:cNvPr>
+              <p:cNvSpPr/>
+              <p:nvPr/>
+            </p:nvSpPr>
+            <p:spPr>
+              <a:xfrm rot="5400000">
+                <a:off x="1185746" y="1274701"/>
+                <a:ext cx="799084" cy="1799335"/>
+              </a:xfrm>
+              <a:prstGeom prst="chevron">
+                <a:avLst>
+                  <a:gd name="adj" fmla="val 60403"/>
+                </a:avLst>
+              </a:prstGeom>
+              <a:solidFill>
+                <a:srgbClr val="00B050"/>
+              </a:solidFill>
+              <a:ln>
+                <a:solidFill>
+                  <a:srgbClr val="00B050"/>
+                </a:solidFill>
+              </a:ln>
+            </p:spPr>
+            <p:style>
+              <a:lnRef idx="2">
+                <a:schemeClr val="accent1">
+                  <a:shade val="50000"/>
+                </a:schemeClr>
+              </a:lnRef>
+              <a:fillRef idx="1">
+                <a:schemeClr val="accent1"/>
+              </a:fillRef>
+              <a:effectRef idx="0">
+                <a:schemeClr val="accent1"/>
+              </a:effectRef>
+              <a:fontRef idx="minor">
+                <a:schemeClr val="lt1"/>
+              </a:fontRef>
+            </p:style>
+            <p:txBody>
+              <a:bodyPr rtlCol="0" anchor="ctr"/>
+              <a:lstStyle/>
+              <a:p>
+                <a:pPr algn="ctr"/>
+                <a:endParaRPr lang="en-US">
+                  <a:solidFill>
+                    <a:schemeClr val="tx1"/>
+                  </a:solidFill>
+                </a:endParaRPr>
+              </a:p>
+            </p:txBody>
+          </p:sp>
+        </p:grpSp>
+      </p:grpSp>
+      <p:pic>
+        <p:nvPicPr>
+          <p:cNvPr id="25" name="Picture 24">
+            <a:extLst>
+              <a:ext uri="{FF2B5EF4-FFF2-40B4-BE49-F238E27FC236}">
+                <a16:creationId xmlns:a16="http://schemas.microsoft.com/office/drawing/2014/main" id="{F383084A-3DEA-4682-B8EA-8BB646B010D0}"/>
+              </a:ext>
+            </a:extLst>
+          </p:cNvPr>
+          <p:cNvPicPr>
+            <a:picLocks noChangeAspect="1"/>
+          </p:cNvPicPr>
+          <p:nvPr/>
+        </p:nvPicPr>
+        <p:blipFill>
+          <a:blip r:embed="rId17">
+            <a:extLst>
+              <a:ext uri="{28A0092B-C50C-407E-A947-70E740481C1C}">
+                <a14:useLocalDpi xmlns:a14="http://schemas.microsoft.com/office/drawing/2010/main" val="0"/>
+              </a:ext>
+            </a:extLst>
+          </a:blip>
+          <a:stretch>
+            <a:fillRect/>
+          </a:stretch>
+        </p:blipFill>
+        <p:spPr>
+          <a:xfrm>
+            <a:off x="6075612" y="2934593"/>
+            <a:ext cx="133075" cy="133075"/>
+          </a:xfrm>
+          <a:prstGeom prst="rect">
+            <a:avLst/>
+          </a:prstGeom>
+        </p:spPr>
+      </p:pic>
+      <p:pic>
+        <p:nvPicPr>
+          <p:cNvPr id="27" name="Picture 26">
+            <a:extLst>
+              <a:ext uri="{FF2B5EF4-FFF2-40B4-BE49-F238E27FC236}">
+                <a16:creationId xmlns:a16="http://schemas.microsoft.com/office/drawing/2014/main" id="{66F00F75-6870-4C37-9B39-86AE4A195359}"/>
+              </a:ext>
+            </a:extLst>
+          </p:cNvPr>
+          <p:cNvPicPr>
+            <a:picLocks noChangeAspect="1"/>
+          </p:cNvPicPr>
+          <p:nvPr/>
+        </p:nvPicPr>
+        <p:blipFill>
+          <a:blip r:embed="rId18">
+            <a:extLst>
+              <a:ext uri="{28A0092B-C50C-407E-A947-70E740481C1C}">
+                <a14:useLocalDpi xmlns:a14="http://schemas.microsoft.com/office/drawing/2010/main" val="0"/>
+              </a:ext>
+            </a:extLst>
+          </a:blip>
+          <a:stretch>
+            <a:fillRect/>
+          </a:stretch>
+        </p:blipFill>
+        <p:spPr>
+          <a:xfrm>
+            <a:off x="5884350" y="3281025"/>
+            <a:ext cx="184068" cy="183348"/>
+          </a:xfrm>
+          <a:prstGeom prst="rect">
+            <a:avLst/>
+          </a:prstGeom>
+        </p:spPr>
+      </p:pic>
+      <p:pic>
+        <p:nvPicPr>
+          <p:cNvPr id="29" name="Picture 28">
+            <a:extLst>
+              <a:ext uri="{FF2B5EF4-FFF2-40B4-BE49-F238E27FC236}">
+                <a16:creationId xmlns:a16="http://schemas.microsoft.com/office/drawing/2014/main" id="{E223BF59-D7C1-4D50-8692-0F8DB1D01897}"/>
+              </a:ext>
+            </a:extLst>
+          </p:cNvPr>
+          <p:cNvPicPr>
+            <a:picLocks noChangeAspect="1"/>
+          </p:cNvPicPr>
+          <p:nvPr/>
+        </p:nvPicPr>
+        <p:blipFill>
+          <a:blip r:embed="rId19">
+            <a:extLst>
+              <a:ext uri="{28A0092B-C50C-407E-A947-70E740481C1C}">
+                <a14:useLocalDpi xmlns:a14="http://schemas.microsoft.com/office/drawing/2010/main" val="0"/>
+              </a:ext>
+            </a:extLst>
+          </a:blip>
+          <a:stretch>
+            <a:fillRect/>
+          </a:stretch>
+        </p:blipFill>
+        <p:spPr>
+          <a:xfrm>
+            <a:off x="6027848" y="3335640"/>
+            <a:ext cx="136305" cy="186720"/>
+          </a:xfrm>
+          <a:prstGeom prst="rect">
+            <a:avLst/>
+          </a:prstGeom>
+        </p:spPr>
+      </p:pic>
+      <p:sp>
+        <p:nvSpPr>
+          <p:cNvPr id="30" name="Arrow: Curved Down 29">
+            <a:extLst>
+              <a:ext uri="{FF2B5EF4-FFF2-40B4-BE49-F238E27FC236}">
+                <a16:creationId xmlns:a16="http://schemas.microsoft.com/office/drawing/2014/main" id="{85545AA4-2E35-45CD-8A72-5C2C884A2C02}"/>
               </a:ext>
             </a:extLst>
           </p:cNvPr>
@@ -3622,17 +4580,21 @@
           <p:nvPr/>
         </p:nvSpPr>
         <p:spPr>
-          <a:xfrm>
-            <a:off x="505981" y="1083793"/>
-            <a:ext cx="2196071" cy="1996430"/>
+          <a:xfrm rot="19630194">
+            <a:off x="4757075" y="1457359"/>
+            <a:ext cx="640080" cy="457200"/>
           </a:xfrm>
-          <a:prstGeom prst="ellipse">
-            <a:avLst/>
+          <a:prstGeom prst="curvedDownArrow">
+            <a:avLst>
+              <a:gd name="adj1" fmla="val 14004"/>
+              <a:gd name="adj2" fmla="val 51491"/>
+              <a:gd name="adj3" fmla="val 63387"/>
+            </a:avLst>
           </a:prstGeom>
           <a:solidFill>
-            <a:schemeClr val="bg1"/>
+            <a:srgbClr val="00B050"/>
           </a:solidFill>
-          <a:ln w="76200">
+          <a:ln>
             <a:solidFill>
               <a:srgbClr val="00B050"/>
             </a:solidFill>
@@ -3655,7 +4617,108 @@
           </a:fontRef>
         </p:style>
         <p:txBody>
-          <a:bodyPr rot="0" spcFirstLastPara="0" vertOverflow="overflow" horzOverflow="overflow" vert="horz" wrap="square" lIns="0" tIns="0" rIns="0" bIns="1005840" numCol="1" spcCol="0" rtlCol="0" fromWordArt="0" anchor="ctr" anchorCtr="0" forceAA="0" compatLnSpc="1">
+          <a:bodyPr rtlCol="0" anchor="ctr"/>
+          <a:lstStyle/>
+          <a:p>
+            <a:pPr algn="ctr"/>
+            <a:endParaRPr lang="en-US">
+              <a:solidFill>
+                <a:schemeClr val="tx1"/>
+              </a:solidFill>
+            </a:endParaRPr>
+          </a:p>
+        </p:txBody>
+      </p:sp>
+      <p:pic>
+        <p:nvPicPr>
+          <p:cNvPr id="32" name="Picture 31">
+            <a:extLst>
+              <a:ext uri="{FF2B5EF4-FFF2-40B4-BE49-F238E27FC236}">
+                <a16:creationId xmlns:a16="http://schemas.microsoft.com/office/drawing/2014/main" id="{7F43BFF2-8ADB-4AB2-9D67-B311EE6D4BC3}"/>
+              </a:ext>
+            </a:extLst>
+          </p:cNvPr>
+          <p:cNvPicPr>
+            <a:picLocks noChangeAspect="1"/>
+          </p:cNvPicPr>
+          <p:nvPr/>
+        </p:nvPicPr>
+        <p:blipFill>
+          <a:blip r:embed="rId20">
+            <a:extLst>
+              <a:ext uri="{28A0092B-C50C-407E-A947-70E740481C1C}">
+                <a14:useLocalDpi xmlns:a14="http://schemas.microsoft.com/office/drawing/2010/main" val="0"/>
+              </a:ext>
+            </a:extLst>
+          </a:blip>
+          <a:stretch>
+            <a:fillRect/>
+          </a:stretch>
+        </p:blipFill>
+        <p:spPr>
+          <a:xfrm>
+            <a:off x="5639459" y="3426355"/>
+            <a:ext cx="152514" cy="155723"/>
+          </a:xfrm>
+          <a:prstGeom prst="rect">
+            <a:avLst/>
+          </a:prstGeom>
+        </p:spPr>
+      </p:pic>
+      <p:sp>
+        <p:nvSpPr>
+          <p:cNvPr id="33" name="Oval 32">
+            <a:extLst>
+              <a:ext uri="{FF2B5EF4-FFF2-40B4-BE49-F238E27FC236}">
+                <a16:creationId xmlns:a16="http://schemas.microsoft.com/office/drawing/2014/main" id="{D5C7C04C-0A6E-4D69-96F4-98E213389FCF}"/>
+              </a:ext>
+            </a:extLst>
+          </p:cNvPr>
+          <p:cNvSpPr/>
+          <p:nvPr/>
+        </p:nvSpPr>
+        <p:spPr>
+          <a:xfrm>
+            <a:off x="674255" y="1136073"/>
+            <a:ext cx="1008776" cy="1008776"/>
+          </a:xfrm>
+          <a:prstGeom prst="ellipse">
+            <a:avLst/>
+          </a:prstGeom>
+          <a:solidFill>
+            <a:srgbClr val="00B050"/>
+          </a:solidFill>
+          <a:ln w="28575">
+            <a:solidFill>
+              <a:schemeClr val="bg1"/>
+            </a:solidFill>
+          </a:ln>
+          <a:scene3d>
+            <a:camera prst="orthographicFront"/>
+            <a:lightRig rig="threePt" dir="t"/>
+          </a:scene3d>
+          <a:sp3d>
+            <a:bevelT w="158750"/>
+          </a:sp3d>
+        </p:spPr>
+        <p:style>
+          <a:lnRef idx="2">
+            <a:schemeClr val="accent4">
+              <a:shade val="50000"/>
+            </a:schemeClr>
+          </a:lnRef>
+          <a:fillRef idx="1">
+            <a:schemeClr val="accent4"/>
+          </a:fillRef>
+          <a:effectRef idx="0">
+            <a:schemeClr val="accent4"/>
+          </a:effectRef>
+          <a:fontRef idx="minor">
+            <a:schemeClr val="lt1"/>
+          </a:fontRef>
+        </p:style>
+        <p:txBody>
+          <a:bodyPr rot="0" spcFirstLastPara="0" vertOverflow="overflow" horzOverflow="overflow" vert="horz" wrap="square" lIns="0" tIns="0" rIns="0" bIns="0" numCol="1" spcCol="0" rtlCol="0" fromWordArt="0" anchor="ctr" anchorCtr="0" forceAA="0" compatLnSpc="1">
             <a:prstTxWarp prst="textNoShape">
               <a:avLst/>
             </a:prstTxWarp>
@@ -3665,43 +4728,47 @@
           <a:p>
             <a:pPr algn="ctr"/>
             <a:r>
-              <a:rPr lang="tr-TR" sz="49600" dirty="0">
+              <a:rPr lang="tr-TR" sz="6000" dirty="0">
                 <a:ln w="0"/>
                 <a:solidFill>
-                  <a:srgbClr val="00B050"/>
+                  <a:schemeClr val="bg1"/>
                 </a:solidFill>
                 <a:effectLst>
-                  <a:outerShdw blurRad="38100" dist="25400" dir="5400000" algn="ctr" rotWithShape="0">
-                    <a:srgbClr val="6E747A">
-                      <a:alpha val="43000"/>
-                    </a:srgbClr>
+                  <a:outerShdw blurRad="38100" dist="19050" dir="2700000" algn="tl" rotWithShape="0">
+                    <a:schemeClr val="dk1">
+                      <a:alpha val="40000"/>
+                    </a:schemeClr>
                   </a:outerShdw>
                 </a:effectLst>
+                <a:latin typeface="Times New Roman" panose="02020603050405020304" pitchFamily="18" charset="0"/>
+                <a:cs typeface="Times New Roman" panose="02020603050405020304" pitchFamily="18" charset="0"/>
               </a:rPr>
-              <a:t>-</a:t>
-            </a:r>
-            <a:endParaRPr lang="en-US" sz="49600" dirty="0">
+              <a:t>A</a:t>
+            </a:r>
+            <a:endParaRPr lang="en-US" sz="6000" dirty="0">
               <a:ln w="0"/>
               <a:solidFill>
-                <a:srgbClr val="00B050"/>
+                <a:schemeClr val="bg1"/>
               </a:solidFill>
               <a:effectLst>
-                <a:outerShdw blurRad="38100" dist="25400" dir="5400000" algn="ctr" rotWithShape="0">
-                  <a:srgbClr val="6E747A">
-                    <a:alpha val="43000"/>
-                  </a:srgbClr>
+                <a:outerShdw blurRad="38100" dist="19050" dir="2700000" algn="tl" rotWithShape="0">
+                  <a:schemeClr val="dk1">
+                    <a:alpha val="40000"/>
+                  </a:schemeClr>
                 </a:outerShdw>
               </a:effectLst>
+              <a:latin typeface="Times New Roman" panose="02020603050405020304" pitchFamily="18" charset="0"/>
+              <a:cs typeface="Times New Roman" panose="02020603050405020304" pitchFamily="18" charset="0"/>
             </a:endParaRPr>
           </a:p>
         </p:txBody>
       </p:sp>
       <p:pic>
         <p:nvPicPr>
-          <p:cNvPr id="15" name="Picture 14">
-            <a:extLst>
-              <a:ext uri="{FF2B5EF4-FFF2-40B4-BE49-F238E27FC236}">
-                <a16:creationId xmlns:a16="http://schemas.microsoft.com/office/drawing/2014/main" id="{9147C556-3F64-470C-90F4-C794DC8E255B}"/>
+          <p:cNvPr id="37" name="Picture 36">
+            <a:extLst>
+              <a:ext uri="{FF2B5EF4-FFF2-40B4-BE49-F238E27FC236}">
+                <a16:creationId xmlns:a16="http://schemas.microsoft.com/office/drawing/2014/main" id="{E66B7096-5EE0-4DA6-8B54-51FC6CDDCC95}"/>
               </a:ext>
             </a:extLst>
           </p:cNvPr>
@@ -3711,20 +4778,169 @@
           <p:nvPr/>
         </p:nvPicPr>
         <p:blipFill rotWithShape="1">
-          <a:blip r:embed="rId10">
+          <a:blip r:embed="rId21">
             <a:extLst>
               <a:ext uri="{28A0092B-C50C-407E-A947-70E740481C1C}">
                 <a14:useLocalDpi xmlns:a14="http://schemas.microsoft.com/office/drawing/2010/main" val="0"/>
               </a:ext>
             </a:extLst>
           </a:blip>
-          <a:srcRect l="37539" t="37833" r="37703" b="45770"/>
+          <a:srcRect l="14817" t="13078" r="15942" b="28299"/>
           <a:stretch/>
         </p:blipFill>
         <p:spPr>
           <a:xfrm>
-            <a:off x="6327405" y="3096537"/>
-            <a:ext cx="142512" cy="138863"/>
+            <a:off x="6024532" y="3183033"/>
+            <a:ext cx="119742" cy="120144"/>
+          </a:xfrm>
+          <a:prstGeom prst="rect">
+            <a:avLst/>
+          </a:prstGeom>
+        </p:spPr>
+      </p:pic>
+      <p:pic>
+        <p:nvPicPr>
+          <p:cNvPr id="39" name="Picture 38">
+            <a:extLst>
+              <a:ext uri="{FF2B5EF4-FFF2-40B4-BE49-F238E27FC236}">
+                <a16:creationId xmlns:a16="http://schemas.microsoft.com/office/drawing/2014/main" id="{063A600C-3530-4AA2-B1E8-366990717808}"/>
+              </a:ext>
+            </a:extLst>
+          </p:cNvPr>
+          <p:cNvPicPr>
+            <a:picLocks noChangeAspect="1"/>
+          </p:cNvPicPr>
+          <p:nvPr/>
+        </p:nvPicPr>
+        <p:blipFill rotWithShape="1">
+          <a:blip r:embed="rId22">
+            <a:extLst>
+              <a:ext uri="{28A0092B-C50C-407E-A947-70E740481C1C}">
+                <a14:useLocalDpi xmlns:a14="http://schemas.microsoft.com/office/drawing/2010/main" val="0"/>
+              </a:ext>
+            </a:extLst>
+          </a:blip>
+          <a:srcRect l="17569" t="13422" r="19223" b="28609"/>
+          <a:stretch/>
+        </p:blipFill>
+        <p:spPr>
+          <a:xfrm>
+            <a:off x="6022432" y="3230256"/>
+            <a:ext cx="119206" cy="118799"/>
+          </a:xfrm>
+          <a:prstGeom prst="rect">
+            <a:avLst/>
+          </a:prstGeom>
+        </p:spPr>
+      </p:pic>
+      <p:pic>
+        <p:nvPicPr>
+          <p:cNvPr id="41" name="Picture 40">
+            <a:extLst>
+              <a:ext uri="{FF2B5EF4-FFF2-40B4-BE49-F238E27FC236}">
+                <a16:creationId xmlns:a16="http://schemas.microsoft.com/office/drawing/2014/main" id="{AB196C43-E4ED-4F1F-A064-394BBBE2ED80}"/>
+              </a:ext>
+            </a:extLst>
+          </p:cNvPr>
+          <p:cNvPicPr>
+            <a:picLocks noChangeAspect="1"/>
+          </p:cNvPicPr>
+          <p:nvPr/>
+        </p:nvPicPr>
+        <p:blipFill rotWithShape="1">
+          <a:blip r:embed="rId23">
+            <a:extLst>
+              <a:ext uri="{28A0092B-C50C-407E-A947-70E740481C1C}">
+                <a14:useLocalDpi xmlns:a14="http://schemas.microsoft.com/office/drawing/2010/main" val="0"/>
+              </a:ext>
+            </a:extLst>
+          </a:blip>
+          <a:srcRect l="4777" r="6662"/>
+          <a:stretch/>
+        </p:blipFill>
+        <p:spPr>
+          <a:xfrm>
+            <a:off x="5751005" y="3097772"/>
+            <a:ext cx="667130" cy="662456"/>
+          </a:xfrm>
+          <a:prstGeom prst="rect">
+            <a:avLst/>
+          </a:prstGeom>
+        </p:spPr>
+      </p:pic>
+      <p:pic>
+        <p:nvPicPr>
+          <p:cNvPr id="43" name="Picture 42">
+            <a:extLst>
+              <a:ext uri="{FF2B5EF4-FFF2-40B4-BE49-F238E27FC236}">
+                <a16:creationId xmlns:a16="http://schemas.microsoft.com/office/drawing/2014/main" id="{1B1B8787-EBB3-494E-9694-996E0D5B9A54}"/>
+              </a:ext>
+            </a:extLst>
+          </p:cNvPr>
+          <p:cNvPicPr>
+            <a:picLocks noChangeAspect="1"/>
+          </p:cNvPicPr>
+          <p:nvPr/>
+        </p:nvPicPr>
+        <p:blipFill rotWithShape="1">
+          <a:blip r:embed="rId24">
+            <a:extLst>
+              <a:ext uri="{28A0092B-C50C-407E-A947-70E740481C1C}">
+                <a14:useLocalDpi xmlns:a14="http://schemas.microsoft.com/office/drawing/2010/main" val="0"/>
+              </a:ext>
+            </a:extLst>
+          </a:blip>
+          <a:srcRect l="13988" t="11021" r="16057" b="25938"/>
+          <a:stretch/>
+        </p:blipFill>
+        <p:spPr>
+          <a:xfrm>
+            <a:off x="6020097" y="3245605"/>
+            <a:ext cx="120025" cy="117605"/>
+          </a:xfrm>
+          <a:prstGeom prst="rect">
+            <a:avLst/>
+          </a:prstGeom>
+        </p:spPr>
+      </p:pic>
+      <p:pic>
+        <p:nvPicPr>
+          <p:cNvPr id="45" name="Picture 44">
+            <a:extLst>
+              <a:ext uri="{FF2B5EF4-FFF2-40B4-BE49-F238E27FC236}">
+                <a16:creationId xmlns:a16="http://schemas.microsoft.com/office/drawing/2014/main" id="{7CB28065-3537-418C-B7C3-CD525ABD35BC}"/>
+              </a:ext>
+            </a:extLst>
+          </p:cNvPr>
+          <p:cNvPicPr>
+            <a:picLocks noChangeAspect="1"/>
+          </p:cNvPicPr>
+          <p:nvPr/>
+        </p:nvPicPr>
+        <p:blipFill rotWithShape="1">
+          <a:blip r:embed="rId25">
+            <a:extLst>
+              <a:ext uri="{BEBA8EAE-BF5A-486C-A8C5-ECC9F3942E4B}">
+                <a14:imgProps xmlns:a14="http://schemas.microsoft.com/office/drawing/2010/main">
+                  <a14:imgLayer r:embed="rId26">
+                    <a14:imgEffect>
+                      <a14:backgroundRemoval t="9817" b="98170" l="5451" r="95597"/>
+                    </a14:imgEffect>
+                  </a14:imgLayer>
+                </a14:imgProps>
+              </a:ext>
+              <a:ext uri="{28A0092B-C50C-407E-A947-70E740481C1C}">
+                <a14:useLocalDpi xmlns:a14="http://schemas.microsoft.com/office/drawing/2010/main" val="0"/>
+              </a:ext>
+            </a:extLst>
+          </a:blip>
+          <a:srcRect l="5294" t="10153" r="3885" b="2475"/>
+          <a:stretch/>
+        </p:blipFill>
+        <p:spPr>
+          <a:xfrm>
+            <a:off x="3793424" y="3353964"/>
+            <a:ext cx="177695" cy="215384"/>
           </a:xfrm>
           <a:prstGeom prst="rect">
             <a:avLst/>
@@ -3953,6 +5169,230 @@
           </a:p>
         </p:txBody>
       </p:sp>
+      <p:grpSp>
+        <p:nvGrpSpPr>
+          <p:cNvPr id="3" name="Group 2">
+            <a:extLst>
+              <a:ext uri="{FF2B5EF4-FFF2-40B4-BE49-F238E27FC236}">
+                <a16:creationId xmlns:a16="http://schemas.microsoft.com/office/drawing/2014/main" id="{04CFCE2F-01A9-42B8-94E1-453BEE850383}"/>
+              </a:ext>
+            </a:extLst>
+          </p:cNvPr>
+          <p:cNvGrpSpPr/>
+          <p:nvPr/>
+        </p:nvGrpSpPr>
+        <p:grpSpPr>
+          <a:xfrm>
+            <a:off x="67843" y="1957785"/>
+            <a:ext cx="2449195" cy="1078113"/>
+            <a:chOff x="262632" y="2050740"/>
+            <a:chExt cx="2024106" cy="890994"/>
+          </a:xfrm>
+          <a:gradFill>
+            <a:gsLst>
+              <a:gs pos="17000">
+                <a:srgbClr val="00B050"/>
+              </a:gs>
+              <a:gs pos="52000">
+                <a:srgbClr val="00E266"/>
+              </a:gs>
+              <a:gs pos="85000">
+                <a:srgbClr val="00B050"/>
+              </a:gs>
+            </a:gsLst>
+            <a:lin ang="5400000" scaled="1"/>
+          </a:gradFill>
+        </p:grpSpPr>
+        <p:sp>
+          <p:nvSpPr>
+            <p:cNvPr id="2" name="Arrow: Chevron 1">
+              <a:extLst>
+                <a:ext uri="{FF2B5EF4-FFF2-40B4-BE49-F238E27FC236}">
+                  <a16:creationId xmlns:a16="http://schemas.microsoft.com/office/drawing/2014/main" id="{0CD07DA4-FB92-4ACF-A280-4DFE5D8C4403}"/>
+                </a:ext>
+              </a:extLst>
+            </p:cNvPr>
+            <p:cNvSpPr/>
+            <p:nvPr/>
+          </p:nvSpPr>
+          <p:spPr>
+            <a:xfrm>
+              <a:off x="262632" y="2062845"/>
+              <a:ext cx="674702" cy="878889"/>
+            </a:xfrm>
+            <a:prstGeom prst="chevron">
+              <a:avLst/>
+            </a:prstGeom>
+            <a:grpFill/>
+            <a:ln>
+              <a:solidFill>
+                <a:srgbClr val="00B050"/>
+              </a:solidFill>
+            </a:ln>
+            <a:scene3d>
+              <a:camera prst="orthographicFront"/>
+              <a:lightRig rig="threePt" dir="t"/>
+            </a:scene3d>
+            <a:sp3d prstMaterial="metal">
+              <a:bevelT w="184150" h="146050"/>
+            </a:sp3d>
+          </p:spPr>
+          <p:style>
+            <a:lnRef idx="2">
+              <a:schemeClr val="accent1">
+                <a:shade val="50000"/>
+              </a:schemeClr>
+            </a:lnRef>
+            <a:fillRef idx="1">
+              <a:schemeClr val="accent1"/>
+            </a:fillRef>
+            <a:effectRef idx="0">
+              <a:schemeClr val="accent1"/>
+            </a:effectRef>
+            <a:fontRef idx="minor">
+              <a:schemeClr val="lt1"/>
+            </a:fontRef>
+          </p:style>
+          <p:txBody>
+            <a:bodyPr rtlCol="0" anchor="ctr"/>
+            <a:lstStyle/>
+            <a:p>
+              <a:pPr algn="ctr"/>
+              <a:endParaRPr lang="en-US">
+                <a:solidFill>
+                  <a:schemeClr val="tx1"/>
+                </a:solidFill>
+              </a:endParaRPr>
+            </a:p>
+          </p:txBody>
+        </p:sp>
+        <p:sp>
+          <p:nvSpPr>
+            <p:cNvPr id="5" name="Arrow: Chevron 4">
+              <a:extLst>
+                <a:ext uri="{FF2B5EF4-FFF2-40B4-BE49-F238E27FC236}">
+                  <a16:creationId xmlns:a16="http://schemas.microsoft.com/office/drawing/2014/main" id="{E7C0BF56-7556-4902-BB15-65780FECB4ED}"/>
+                </a:ext>
+              </a:extLst>
+            </p:cNvPr>
+            <p:cNvSpPr/>
+            <p:nvPr/>
+          </p:nvSpPr>
+          <p:spPr>
+            <a:xfrm>
+              <a:off x="937334" y="2050741"/>
+              <a:ext cx="674702" cy="878889"/>
+            </a:xfrm>
+            <a:prstGeom prst="chevron">
+              <a:avLst/>
+            </a:prstGeom>
+            <a:grpFill/>
+            <a:ln>
+              <a:solidFill>
+                <a:srgbClr val="00B050"/>
+              </a:solidFill>
+            </a:ln>
+            <a:scene3d>
+              <a:camera prst="orthographicFront"/>
+              <a:lightRig rig="threePt" dir="t"/>
+            </a:scene3d>
+            <a:sp3d prstMaterial="metal">
+              <a:bevelT w="184150" h="146050"/>
+            </a:sp3d>
+          </p:spPr>
+          <p:style>
+            <a:lnRef idx="2">
+              <a:schemeClr val="accent1">
+                <a:shade val="50000"/>
+              </a:schemeClr>
+            </a:lnRef>
+            <a:fillRef idx="1">
+              <a:schemeClr val="accent1"/>
+            </a:fillRef>
+            <a:effectRef idx="0">
+              <a:schemeClr val="accent1"/>
+            </a:effectRef>
+            <a:fontRef idx="minor">
+              <a:schemeClr val="lt1"/>
+            </a:fontRef>
+          </p:style>
+          <p:txBody>
+            <a:bodyPr rtlCol="0" anchor="ctr"/>
+            <a:lstStyle/>
+            <a:p>
+              <a:pPr algn="ctr"/>
+              <a:endParaRPr lang="en-US">
+                <a:solidFill>
+                  <a:schemeClr val="tx1"/>
+                </a:solidFill>
+              </a:endParaRPr>
+            </a:p>
+          </p:txBody>
+        </p:sp>
+        <p:sp>
+          <p:nvSpPr>
+            <p:cNvPr id="6" name="Arrow: Chevron 5">
+              <a:extLst>
+                <a:ext uri="{FF2B5EF4-FFF2-40B4-BE49-F238E27FC236}">
+                  <a16:creationId xmlns:a16="http://schemas.microsoft.com/office/drawing/2014/main" id="{A51D1397-9EEF-4E58-8128-5FF722FB5665}"/>
+                </a:ext>
+              </a:extLst>
+            </p:cNvPr>
+            <p:cNvSpPr/>
+            <p:nvPr/>
+          </p:nvSpPr>
+          <p:spPr>
+            <a:xfrm>
+              <a:off x="1612036" y="2050740"/>
+              <a:ext cx="674702" cy="878889"/>
+            </a:xfrm>
+            <a:prstGeom prst="chevron">
+              <a:avLst/>
+            </a:prstGeom>
+            <a:grpFill/>
+            <a:ln>
+              <a:solidFill>
+                <a:srgbClr val="00B050"/>
+              </a:solidFill>
+            </a:ln>
+            <a:scene3d>
+              <a:camera prst="orthographicFront"/>
+              <a:lightRig rig="threePt" dir="t"/>
+            </a:scene3d>
+            <a:sp3d prstMaterial="metal">
+              <a:bevelT w="184150" h="146050"/>
+            </a:sp3d>
+          </p:spPr>
+          <p:style>
+            <a:lnRef idx="2">
+              <a:schemeClr val="accent1">
+                <a:shade val="50000"/>
+              </a:schemeClr>
+            </a:lnRef>
+            <a:fillRef idx="1">
+              <a:schemeClr val="accent1"/>
+            </a:fillRef>
+            <a:effectRef idx="0">
+              <a:schemeClr val="accent1"/>
+            </a:effectRef>
+            <a:fontRef idx="minor">
+              <a:schemeClr val="lt1"/>
+            </a:fontRef>
+          </p:style>
+          <p:txBody>
+            <a:bodyPr rtlCol="0" anchor="ctr"/>
+            <a:lstStyle/>
+            <a:p>
+              <a:pPr algn="ctr"/>
+              <a:endParaRPr lang="en-US">
+                <a:solidFill>
+                  <a:schemeClr val="tx1"/>
+                </a:solidFill>
+              </a:endParaRPr>
+            </a:p>
+          </p:txBody>
+        </p:sp>
+      </p:grpSp>
     </p:spTree>
     <p:extLst>
       <p:ext uri="{BB962C8B-B14F-4D97-AF65-F5344CB8AC3E}">
@@ -4259,4 +5699,299 @@
     </a:ext>
   </a:extLst>
 </a:theme>
+</file>
+
+<file path=ppt/theme/theme2.xml><?xml version="1.0" encoding="utf-8"?>
+<a:theme xmlns:a="http://schemas.openxmlformats.org/drawingml/2006/main" name="Office Theme">
+  <a:themeElements>
+    <a:clrScheme name="Office">
+      <a:dk1>
+        <a:sysClr val="windowText" lastClr="000000"/>
+      </a:dk1>
+      <a:lt1>
+        <a:sysClr val="window" lastClr="FFFFFF"/>
+      </a:lt1>
+      <a:dk2>
+        <a:srgbClr val="44546A"/>
+      </a:dk2>
+      <a:lt2>
+        <a:srgbClr val="E7E6E6"/>
+      </a:lt2>
+      <a:accent1>
+        <a:srgbClr val="4472C4"/>
+      </a:accent1>
+      <a:accent2>
+        <a:srgbClr val="ED7D31"/>
+      </a:accent2>
+      <a:accent3>
+        <a:srgbClr val="A5A5A5"/>
+      </a:accent3>
+      <a:accent4>
+        <a:srgbClr val="FFC000"/>
+      </a:accent4>
+      <a:accent5>
+        <a:srgbClr val="5B9BD5"/>
+      </a:accent5>
+      <a:accent6>
+        <a:srgbClr val="70AD47"/>
+      </a:accent6>
+      <a:hlink>
+        <a:srgbClr val="0563C1"/>
+      </a:hlink>
+      <a:folHlink>
+        <a:srgbClr val="954F72"/>
+      </a:folHlink>
+    </a:clrScheme>
+    <a:fontScheme name="Office">
+      <a:majorFont>
+        <a:latin typeface="Calibri Light" panose="020F0302020204030204"/>
+        <a:ea typeface=""/>
+        <a:cs typeface=""/>
+        <a:font script="Jpan" typeface="游ゴシック Light"/>
+        <a:font script="Hang" typeface="맑은 고딕"/>
+        <a:font script="Hans" typeface="等线 Light"/>
+        <a:font script="Hant" typeface="新細明體"/>
+        <a:font script="Arab" typeface="Times New Roman"/>
+        <a:font script="Hebr" typeface="Times New Roman"/>
+        <a:font script="Thai" typeface="Angsana New"/>
+        <a:font script="Ethi" typeface="Nyala"/>
+        <a:font script="Beng" typeface="Vrinda"/>
+        <a:font script="Gujr" typeface="Shruti"/>
+        <a:font script="Khmr" typeface="MoolBoran"/>
+        <a:font script="Knda" typeface="Tunga"/>
+        <a:font script="Guru" typeface="Raavi"/>
+        <a:font script="Cans" typeface="Euphemia"/>
+        <a:font script="Cher" typeface="Plantagenet Cherokee"/>
+        <a:font script="Yiii" typeface="Microsoft Yi Baiti"/>
+        <a:font script="Tibt" typeface="Microsoft Himalaya"/>
+        <a:font script="Thaa" typeface="MV Boli"/>
+        <a:font script="Deva" typeface="Mangal"/>
+        <a:font script="Telu" typeface="Gautami"/>
+        <a:font script="Taml" typeface="Latha"/>
+        <a:font script="Syrc" typeface="Estrangelo Edessa"/>
+        <a:font script="Orya" typeface="Kalinga"/>
+        <a:font script="Mlym" typeface="Kartika"/>
+        <a:font script="Laoo" typeface="DokChampa"/>
+        <a:font script="Sinh" typeface="Iskoola Pota"/>
+        <a:font script="Mong" typeface="Mongolian Baiti"/>
+        <a:font script="Viet" typeface="Times New Roman"/>
+        <a:font script="Uigh" typeface="Microsoft Uighur"/>
+        <a:font script="Geor" typeface="Sylfaen"/>
+        <a:font script="Armn" typeface="Arial"/>
+        <a:font script="Bugi" typeface="Leelawadee UI"/>
+        <a:font script="Bopo" typeface="Microsoft JhengHei"/>
+        <a:font script="Java" typeface="Javanese Text"/>
+        <a:font script="Lisu" typeface="Segoe UI"/>
+        <a:font script="Mymr" typeface="Myanmar Text"/>
+        <a:font script="Nkoo" typeface="Ebrima"/>
+        <a:font script="Olck" typeface="Nirmala UI"/>
+        <a:font script="Osma" typeface="Ebrima"/>
+        <a:font script="Phag" typeface="Phagspa"/>
+        <a:font script="Syrn" typeface="Estrangelo Edessa"/>
+        <a:font script="Syrj" typeface="Estrangelo Edessa"/>
+        <a:font script="Syre" typeface="Estrangelo Edessa"/>
+        <a:font script="Sora" typeface="Nirmala UI"/>
+        <a:font script="Tale" typeface="Microsoft Tai Le"/>
+        <a:font script="Talu" typeface="Microsoft New Tai Lue"/>
+        <a:font script="Tfng" typeface="Ebrima"/>
+      </a:majorFont>
+      <a:minorFont>
+        <a:latin typeface="Calibri" panose="020F0502020204030204"/>
+        <a:ea typeface=""/>
+        <a:cs typeface=""/>
+        <a:font script="Jpan" typeface="游ゴシック"/>
+        <a:font script="Hang" typeface="맑은 고딕"/>
+        <a:font script="Hans" typeface="等线"/>
+        <a:font script="Hant" typeface="新細明體"/>
+        <a:font script="Arab" typeface="Arial"/>
+        <a:font script="Hebr" typeface="Arial"/>
+        <a:font script="Thai" typeface="Cordia New"/>
+        <a:font script="Ethi" typeface="Nyala"/>
+        <a:font script="Beng" typeface="Vrinda"/>
+        <a:font script="Gujr" typeface="Shruti"/>
+        <a:font script="Khmr" typeface="DaunPenh"/>
+        <a:font script="Knda" typeface="Tunga"/>
+        <a:font script="Guru" typeface="Raavi"/>
+        <a:font script="Cans" typeface="Euphemia"/>
+        <a:font script="Cher" typeface="Plantagenet Cherokee"/>
+        <a:font script="Yiii" typeface="Microsoft Yi Baiti"/>
+        <a:font script="Tibt" typeface="Microsoft Himalaya"/>
+        <a:font script="Thaa" typeface="MV Boli"/>
+        <a:font script="Deva" typeface="Mangal"/>
+        <a:font script="Telu" typeface="Gautami"/>
+        <a:font script="Taml" typeface="Latha"/>
+        <a:font script="Syrc" typeface="Estrangelo Edessa"/>
+        <a:font script="Orya" typeface="Kalinga"/>
+        <a:font script="Mlym" typeface="Kartika"/>
+        <a:font script="Laoo" typeface="DokChampa"/>
+        <a:font script="Sinh" typeface="Iskoola Pota"/>
+        <a:font script="Mong" typeface="Mongolian Baiti"/>
+        <a:font script="Viet" typeface="Arial"/>
+        <a:font script="Uigh" typeface="Microsoft Uighur"/>
+        <a:font script="Geor" typeface="Sylfaen"/>
+        <a:font script="Armn" typeface="Arial"/>
+        <a:font script="Bugi" typeface="Leelawadee UI"/>
+        <a:font script="Bopo" typeface="Microsoft JhengHei"/>
+        <a:font script="Java" typeface="Javanese Text"/>
+        <a:font script="Lisu" typeface="Segoe UI"/>
+        <a:font script="Mymr" typeface="Myanmar Text"/>
+        <a:font script="Nkoo" typeface="Ebrima"/>
+        <a:font script="Olck" typeface="Nirmala UI"/>
+        <a:font script="Osma" typeface="Ebrima"/>
+        <a:font script="Phag" typeface="Phagspa"/>
+        <a:font script="Syrn" typeface="Estrangelo Edessa"/>
+        <a:font script="Syrj" typeface="Estrangelo Edessa"/>
+        <a:font script="Syre" typeface="Estrangelo Edessa"/>
+        <a:font script="Sora" typeface="Nirmala UI"/>
+        <a:font script="Tale" typeface="Microsoft Tai Le"/>
+        <a:font script="Talu" typeface="Microsoft New Tai Lue"/>
+        <a:font script="Tfng" typeface="Ebrima"/>
+      </a:minorFont>
+    </a:fontScheme>
+    <a:fmtScheme name="Office">
+      <a:fillStyleLst>
+        <a:solidFill>
+          <a:schemeClr val="phClr"/>
+        </a:solidFill>
+        <a:gradFill rotWithShape="1">
+          <a:gsLst>
+            <a:gs pos="0">
+              <a:schemeClr val="phClr">
+                <a:lumMod val="110000"/>
+                <a:satMod val="105000"/>
+                <a:tint val="67000"/>
+              </a:schemeClr>
+            </a:gs>
+            <a:gs pos="50000">
+              <a:schemeClr val="phClr">
+                <a:lumMod val="105000"/>
+                <a:satMod val="103000"/>
+                <a:tint val="73000"/>
+              </a:schemeClr>
+            </a:gs>
+            <a:gs pos="100000">
+              <a:schemeClr val="phClr">
+                <a:lumMod val="105000"/>
+                <a:satMod val="109000"/>
+                <a:tint val="81000"/>
+              </a:schemeClr>
+            </a:gs>
+          </a:gsLst>
+          <a:lin ang="5400000" scaled="0"/>
+        </a:gradFill>
+        <a:gradFill rotWithShape="1">
+          <a:gsLst>
+            <a:gs pos="0">
+              <a:schemeClr val="phClr">
+                <a:satMod val="103000"/>
+                <a:lumMod val="102000"/>
+                <a:tint val="94000"/>
+              </a:schemeClr>
+            </a:gs>
+            <a:gs pos="50000">
+              <a:schemeClr val="phClr">
+                <a:satMod val="110000"/>
+                <a:lumMod val="100000"/>
+                <a:shade val="100000"/>
+              </a:schemeClr>
+            </a:gs>
+            <a:gs pos="100000">
+              <a:schemeClr val="phClr">
+                <a:lumMod val="99000"/>
+                <a:satMod val="120000"/>
+                <a:shade val="78000"/>
+              </a:schemeClr>
+            </a:gs>
+          </a:gsLst>
+          <a:lin ang="5400000" scaled="0"/>
+        </a:gradFill>
+      </a:fillStyleLst>
+      <a:lnStyleLst>
+        <a:ln w="6350" cap="flat" cmpd="sng" algn="ctr">
+          <a:solidFill>
+            <a:schemeClr val="phClr"/>
+          </a:solidFill>
+          <a:prstDash val="solid"/>
+          <a:miter lim="800000"/>
+        </a:ln>
+        <a:ln w="12700" cap="flat" cmpd="sng" algn="ctr">
+          <a:solidFill>
+            <a:schemeClr val="phClr"/>
+          </a:solidFill>
+          <a:prstDash val="solid"/>
+          <a:miter lim="800000"/>
+        </a:ln>
+        <a:ln w="19050" cap="flat" cmpd="sng" algn="ctr">
+          <a:solidFill>
+            <a:schemeClr val="phClr"/>
+          </a:solidFill>
+          <a:prstDash val="solid"/>
+          <a:miter lim="800000"/>
+        </a:ln>
+      </a:lnStyleLst>
+      <a:effectStyleLst>
+        <a:effectStyle>
+          <a:effectLst/>
+        </a:effectStyle>
+        <a:effectStyle>
+          <a:effectLst/>
+        </a:effectStyle>
+        <a:effectStyle>
+          <a:effectLst>
+            <a:outerShdw blurRad="57150" dist="19050" dir="5400000" algn="ctr" rotWithShape="0">
+              <a:srgbClr val="000000">
+                <a:alpha val="63000"/>
+              </a:srgbClr>
+            </a:outerShdw>
+          </a:effectLst>
+        </a:effectStyle>
+      </a:effectStyleLst>
+      <a:bgFillStyleLst>
+        <a:solidFill>
+          <a:schemeClr val="phClr"/>
+        </a:solidFill>
+        <a:solidFill>
+          <a:schemeClr val="phClr">
+            <a:tint val="95000"/>
+            <a:satMod val="170000"/>
+          </a:schemeClr>
+        </a:solidFill>
+        <a:gradFill rotWithShape="1">
+          <a:gsLst>
+            <a:gs pos="0">
+              <a:schemeClr val="phClr">
+                <a:tint val="93000"/>
+                <a:satMod val="150000"/>
+                <a:shade val="98000"/>
+                <a:lumMod val="102000"/>
+              </a:schemeClr>
+            </a:gs>
+            <a:gs pos="50000">
+              <a:schemeClr val="phClr">
+                <a:tint val="98000"/>
+                <a:satMod val="130000"/>
+                <a:shade val="90000"/>
+                <a:lumMod val="103000"/>
+              </a:schemeClr>
+            </a:gs>
+            <a:gs pos="100000">
+              <a:schemeClr val="phClr">
+                <a:shade val="63000"/>
+                <a:satMod val="120000"/>
+              </a:schemeClr>
+            </a:gs>
+          </a:gsLst>
+          <a:lin ang="5400000" scaled="0"/>
+        </a:gradFill>
+      </a:bgFillStyleLst>
+    </a:fmtScheme>
+  </a:themeElements>
+  <a:objectDefaults/>
+  <a:extraClrSchemeLst/>
+  <a:extLst>
+    <a:ext uri="{05A4C25C-085E-4340-85A3-A5531E510DB2}">
+      <thm15:themeFamily xmlns:thm15="http://schemas.microsoft.com/office/thememl/2012/main" name="Office Theme" id="{62F939B6-93AF-4DB8-9C6B-D6C7DFDC589F}" vid="{4A3C46E8-61CC-4603-A589-7422A47A8E4A}"/>
+    </a:ext>
+  </a:extLst>
+</a:theme>
 </file>
--- a/Images/something.pptx
+++ b/Images/something.pptx
@@ -5,11 +5,12 @@
     <p:sldMasterId id="2147483648" r:id="rId1"/>
   </p:sldMasterIdLst>
   <p:notesMasterIdLst>
-    <p:notesMasterId r:id="rId4"/>
+    <p:notesMasterId r:id="rId5"/>
   </p:notesMasterIdLst>
   <p:sldIdLst>
     <p:sldId id="256" r:id="rId2"/>
     <p:sldId id="257" r:id="rId3"/>
+    <p:sldId id="258" r:id="rId4"/>
   </p:sldIdLst>
   <p:sldSz cx="12192000" cy="6858000"/>
   <p:notesSz cx="6858000" cy="9144000"/>
@@ -198,7 +199,7 @@
           <a:p>
             <a:fld id="{83701286-C884-4CF0-B543-958CCE406AB2}" type="datetimeFigureOut">
               <a:rPr lang="en-US" smtClean="0"/>
-              <a:t>4/10/2020</a:t>
+              <a:t>4/11/2020</a:t>
             </a:fld>
             <a:endParaRPr lang="en-US"/>
           </a:p>
@@ -696,7 +697,7 @@
           <a:p>
             <a:fld id="{F5D9C6CE-3FD7-4A98-BB63-1AA71BDC5835}" type="datetimeFigureOut">
               <a:rPr lang="en-US" smtClean="0"/>
-              <a:t>4/10/2020</a:t>
+              <a:t>4/11/2020</a:t>
             </a:fld>
             <a:endParaRPr lang="en-US"/>
           </a:p>
@@ -894,7 +895,7 @@
           <a:p>
             <a:fld id="{F5D9C6CE-3FD7-4A98-BB63-1AA71BDC5835}" type="datetimeFigureOut">
               <a:rPr lang="en-US" smtClean="0"/>
-              <a:t>4/10/2020</a:t>
+              <a:t>4/11/2020</a:t>
             </a:fld>
             <a:endParaRPr lang="en-US"/>
           </a:p>
@@ -1102,7 +1103,7 @@
           <a:p>
             <a:fld id="{F5D9C6CE-3FD7-4A98-BB63-1AA71BDC5835}" type="datetimeFigureOut">
               <a:rPr lang="en-US" smtClean="0"/>
-              <a:t>4/10/2020</a:t>
+              <a:t>4/11/2020</a:t>
             </a:fld>
             <a:endParaRPr lang="en-US"/>
           </a:p>
@@ -1300,7 +1301,7 @@
           <a:p>
             <a:fld id="{F5D9C6CE-3FD7-4A98-BB63-1AA71BDC5835}" type="datetimeFigureOut">
               <a:rPr lang="en-US" smtClean="0"/>
-              <a:t>4/10/2020</a:t>
+              <a:t>4/11/2020</a:t>
             </a:fld>
             <a:endParaRPr lang="en-US"/>
           </a:p>
@@ -1575,7 +1576,7 @@
           <a:p>
             <a:fld id="{F5D9C6CE-3FD7-4A98-BB63-1AA71BDC5835}" type="datetimeFigureOut">
               <a:rPr lang="en-US" smtClean="0"/>
-              <a:t>4/10/2020</a:t>
+              <a:t>4/11/2020</a:t>
             </a:fld>
             <a:endParaRPr lang="en-US"/>
           </a:p>
@@ -1840,7 +1841,7 @@
           <a:p>
             <a:fld id="{F5D9C6CE-3FD7-4A98-BB63-1AA71BDC5835}" type="datetimeFigureOut">
               <a:rPr lang="en-US" smtClean="0"/>
-              <a:t>4/10/2020</a:t>
+              <a:t>4/11/2020</a:t>
             </a:fld>
             <a:endParaRPr lang="en-US"/>
           </a:p>
@@ -2252,7 +2253,7 @@
           <a:p>
             <a:fld id="{F5D9C6CE-3FD7-4A98-BB63-1AA71BDC5835}" type="datetimeFigureOut">
               <a:rPr lang="en-US" smtClean="0"/>
-              <a:t>4/10/2020</a:t>
+              <a:t>4/11/2020</a:t>
             </a:fld>
             <a:endParaRPr lang="en-US"/>
           </a:p>
@@ -2393,7 +2394,7 @@
           <a:p>
             <a:fld id="{F5D9C6CE-3FD7-4A98-BB63-1AA71BDC5835}" type="datetimeFigureOut">
               <a:rPr lang="en-US" smtClean="0"/>
-              <a:t>4/10/2020</a:t>
+              <a:t>4/11/2020</a:t>
             </a:fld>
             <a:endParaRPr lang="en-US"/>
           </a:p>
@@ -2506,7 +2507,7 @@
           <a:p>
             <a:fld id="{F5D9C6CE-3FD7-4A98-BB63-1AA71BDC5835}" type="datetimeFigureOut">
               <a:rPr lang="en-US" smtClean="0"/>
-              <a:t>4/10/2020</a:t>
+              <a:t>4/11/2020</a:t>
             </a:fld>
             <a:endParaRPr lang="en-US"/>
           </a:p>
@@ -2817,7 +2818,7 @@
           <a:p>
             <a:fld id="{F5D9C6CE-3FD7-4A98-BB63-1AA71BDC5835}" type="datetimeFigureOut">
               <a:rPr lang="en-US" smtClean="0"/>
-              <a:t>4/10/2020</a:t>
+              <a:t>4/11/2020</a:t>
             </a:fld>
             <a:endParaRPr lang="en-US"/>
           </a:p>
@@ -3105,7 +3106,7 @@
           <a:p>
             <a:fld id="{F5D9C6CE-3FD7-4A98-BB63-1AA71BDC5835}" type="datetimeFigureOut">
               <a:rPr lang="en-US" smtClean="0"/>
-              <a:t>4/10/2020</a:t>
+              <a:t>4/11/2020</a:t>
             </a:fld>
             <a:endParaRPr lang="en-US"/>
           </a:p>
@@ -3346,7 +3347,7 @@
           <a:p>
             <a:fld id="{F5D9C6CE-3FD7-4A98-BB63-1AA71BDC5835}" type="datetimeFigureOut">
               <a:rPr lang="en-US" smtClean="0"/>
-              <a:t>4/10/2020</a:t>
+              <a:t>4/11/2020</a:t>
             </a:fld>
             <a:endParaRPr lang="en-US"/>
           </a:p>
@@ -5397,6 +5398,108 @@
     <p:extLst>
       <p:ext uri="{BB962C8B-B14F-4D97-AF65-F5344CB8AC3E}">
         <p14:creationId xmlns:p14="http://schemas.microsoft.com/office/powerpoint/2010/main" val="1584433731"/>
+      </p:ext>
+    </p:extLst>
+  </p:cSld>
+  <p:clrMapOvr>
+    <a:masterClrMapping/>
+  </p:clrMapOvr>
+</p:sld>
+</file>
+
+<file path=ppt/slides/slide3.xml><?xml version="1.0" encoding="utf-8"?>
+<p:sld xmlns:a="http://schemas.openxmlformats.org/drawingml/2006/main" xmlns:r="http://schemas.openxmlformats.org/officeDocument/2006/relationships" xmlns:p="http://schemas.openxmlformats.org/presentationml/2006/main">
+  <p:cSld>
+    <p:spTree>
+      <p:nvGrpSpPr>
+        <p:cNvPr id="1" name=""/>
+        <p:cNvGrpSpPr/>
+        <p:nvPr/>
+      </p:nvGrpSpPr>
+      <p:grpSpPr>
+        <a:xfrm>
+          <a:off x="0" y="0"/>
+          <a:ext cx="0" cy="0"/>
+          <a:chOff x="0" y="0"/>
+          <a:chExt cx="0" cy="0"/>
+        </a:xfrm>
+      </p:grpSpPr>
+      <p:pic>
+        <p:nvPicPr>
+          <p:cNvPr id="5" name="Picture 4">
+            <a:extLst>
+              <a:ext uri="{FF2B5EF4-FFF2-40B4-BE49-F238E27FC236}">
+                <a16:creationId xmlns:a16="http://schemas.microsoft.com/office/drawing/2014/main" id="{7A862704-AB68-46AC-B211-66150EADFCD6}"/>
+              </a:ext>
+            </a:extLst>
+          </p:cNvPr>
+          <p:cNvPicPr>
+            <a:picLocks noChangeAspect="1"/>
+          </p:cNvPicPr>
+          <p:nvPr/>
+        </p:nvPicPr>
+        <p:blipFill>
+          <a:blip r:embed="rId2">
+            <a:extLst>
+              <a:ext uri="{28A0092B-C50C-407E-A947-70E740481C1C}">
+                <a14:useLocalDpi xmlns:a14="http://schemas.microsoft.com/office/drawing/2010/main" val="0"/>
+              </a:ext>
+            </a:extLst>
+          </a:blip>
+          <a:stretch>
+            <a:fillRect/>
+          </a:stretch>
+        </p:blipFill>
+        <p:spPr>
+          <a:xfrm>
+            <a:off x="1546237" y="-71021"/>
+            <a:ext cx="4549763" cy="6858000"/>
+          </a:xfrm>
+          <a:prstGeom prst="rect">
+            <a:avLst/>
+          </a:prstGeom>
+        </p:spPr>
+      </p:pic>
+      <p:pic>
+        <p:nvPicPr>
+          <p:cNvPr id="7" name="Picture 6">
+            <a:extLst>
+              <a:ext uri="{FF2B5EF4-FFF2-40B4-BE49-F238E27FC236}">
+                <a16:creationId xmlns:a16="http://schemas.microsoft.com/office/drawing/2014/main" id="{9CCA0F1F-7895-4B07-AD28-F2A30F5946C7}"/>
+              </a:ext>
+            </a:extLst>
+          </p:cNvPr>
+          <p:cNvPicPr>
+            <a:picLocks noChangeAspect="1"/>
+          </p:cNvPicPr>
+          <p:nvPr/>
+        </p:nvPicPr>
+        <p:blipFill>
+          <a:blip r:embed="rId3">
+            <a:extLst>
+              <a:ext uri="{28A0092B-C50C-407E-A947-70E740481C1C}">
+                <a14:useLocalDpi xmlns:a14="http://schemas.microsoft.com/office/drawing/2010/main" val="0"/>
+              </a:ext>
+            </a:extLst>
+          </a:blip>
+          <a:stretch>
+            <a:fillRect/>
+          </a:stretch>
+        </p:blipFill>
+        <p:spPr>
+          <a:xfrm>
+            <a:off x="6261266" y="-71021"/>
+            <a:ext cx="4960559" cy="6858000"/>
+          </a:xfrm>
+          <a:prstGeom prst="rect">
+            <a:avLst/>
+          </a:prstGeom>
+        </p:spPr>
+      </p:pic>
+    </p:spTree>
+    <p:extLst>
+      <p:ext uri="{BB962C8B-B14F-4D97-AF65-F5344CB8AC3E}">
+        <p14:creationId xmlns:p14="http://schemas.microsoft.com/office/powerpoint/2010/main" val="3900955093"/>
       </p:ext>
     </p:extLst>
   </p:cSld>

--- a/Images/something.pptx
+++ b/Images/something.pptx
@@ -199,7 +199,7 @@
           <a:p>
             <a:fld id="{83701286-C884-4CF0-B543-958CCE406AB2}" type="datetimeFigureOut">
               <a:rPr lang="en-US" smtClean="0"/>
-              <a:t>4/11/2020</a:t>
+              <a:t>4/14/2020</a:t>
             </a:fld>
             <a:endParaRPr lang="en-US"/>
           </a:p>
@@ -697,7 +697,7 @@
           <a:p>
             <a:fld id="{F5D9C6CE-3FD7-4A98-BB63-1AA71BDC5835}" type="datetimeFigureOut">
               <a:rPr lang="en-US" smtClean="0"/>
-              <a:t>4/11/2020</a:t>
+              <a:t>4/14/2020</a:t>
             </a:fld>
             <a:endParaRPr lang="en-US"/>
           </a:p>
@@ -895,7 +895,7 @@
           <a:p>
             <a:fld id="{F5D9C6CE-3FD7-4A98-BB63-1AA71BDC5835}" type="datetimeFigureOut">
               <a:rPr lang="en-US" smtClean="0"/>
-              <a:t>4/11/2020</a:t>
+              <a:t>4/14/2020</a:t>
             </a:fld>
             <a:endParaRPr lang="en-US"/>
           </a:p>
@@ -1103,7 +1103,7 @@
           <a:p>
             <a:fld id="{F5D9C6CE-3FD7-4A98-BB63-1AA71BDC5835}" type="datetimeFigureOut">
               <a:rPr lang="en-US" smtClean="0"/>
-              <a:t>4/11/2020</a:t>
+              <a:t>4/14/2020</a:t>
             </a:fld>
             <a:endParaRPr lang="en-US"/>
           </a:p>
@@ -1301,7 +1301,7 @@
           <a:p>
             <a:fld id="{F5D9C6CE-3FD7-4A98-BB63-1AA71BDC5835}" type="datetimeFigureOut">
               <a:rPr lang="en-US" smtClean="0"/>
-              <a:t>4/11/2020</a:t>
+              <a:t>4/14/2020</a:t>
             </a:fld>
             <a:endParaRPr lang="en-US"/>
           </a:p>
@@ -1576,7 +1576,7 @@
           <a:p>
             <a:fld id="{F5D9C6CE-3FD7-4A98-BB63-1AA71BDC5835}" type="datetimeFigureOut">
               <a:rPr lang="en-US" smtClean="0"/>
-              <a:t>4/11/2020</a:t>
+              <a:t>4/14/2020</a:t>
             </a:fld>
             <a:endParaRPr lang="en-US"/>
           </a:p>
@@ -1841,7 +1841,7 @@
           <a:p>
             <a:fld id="{F5D9C6CE-3FD7-4A98-BB63-1AA71BDC5835}" type="datetimeFigureOut">
               <a:rPr lang="en-US" smtClean="0"/>
-              <a:t>4/11/2020</a:t>
+              <a:t>4/14/2020</a:t>
             </a:fld>
             <a:endParaRPr lang="en-US"/>
           </a:p>
@@ -2253,7 +2253,7 @@
           <a:p>
             <a:fld id="{F5D9C6CE-3FD7-4A98-BB63-1AA71BDC5835}" type="datetimeFigureOut">
               <a:rPr lang="en-US" smtClean="0"/>
-              <a:t>4/11/2020</a:t>
+              <a:t>4/14/2020</a:t>
             </a:fld>
             <a:endParaRPr lang="en-US"/>
           </a:p>
@@ -2394,7 +2394,7 @@
           <a:p>
             <a:fld id="{F5D9C6CE-3FD7-4A98-BB63-1AA71BDC5835}" type="datetimeFigureOut">
               <a:rPr lang="en-US" smtClean="0"/>
-              <a:t>4/11/2020</a:t>
+              <a:t>4/14/2020</a:t>
             </a:fld>
             <a:endParaRPr lang="en-US"/>
           </a:p>
@@ -2507,7 +2507,7 @@
           <a:p>
             <a:fld id="{F5D9C6CE-3FD7-4A98-BB63-1AA71BDC5835}" type="datetimeFigureOut">
               <a:rPr lang="en-US" smtClean="0"/>
-              <a:t>4/11/2020</a:t>
+              <a:t>4/14/2020</a:t>
             </a:fld>
             <a:endParaRPr lang="en-US"/>
           </a:p>
@@ -2818,7 +2818,7 @@
           <a:p>
             <a:fld id="{F5D9C6CE-3FD7-4A98-BB63-1AA71BDC5835}" type="datetimeFigureOut">
               <a:rPr lang="en-US" smtClean="0"/>
-              <a:t>4/11/2020</a:t>
+              <a:t>4/14/2020</a:t>
             </a:fld>
             <a:endParaRPr lang="en-US"/>
           </a:p>
@@ -3106,7 +3106,7 @@
           <a:p>
             <a:fld id="{F5D9C6CE-3FD7-4A98-BB63-1AA71BDC5835}" type="datetimeFigureOut">
               <a:rPr lang="en-US" smtClean="0"/>
-              <a:t>4/11/2020</a:t>
+              <a:t>4/14/2020</a:t>
             </a:fld>
             <a:endParaRPr lang="en-US"/>
           </a:p>
@@ -3347,7 +3347,7 @@
           <a:p>
             <a:fld id="{F5D9C6CE-3FD7-4A98-BB63-1AA71BDC5835}" type="datetimeFigureOut">
               <a:rPr lang="en-US" smtClean="0"/>
-              <a:t>4/11/2020</a:t>
+              <a:t>4/14/2020</a:t>
             </a:fld>
             <a:endParaRPr lang="en-US"/>
           </a:p>
@@ -4687,7 +4687,7 @@
             <a:avLst/>
           </a:prstGeom>
           <a:solidFill>
-            <a:srgbClr val="00B050"/>
+            <a:srgbClr val="DAC2EC"/>
           </a:solidFill>
           <a:ln w="28575">
             <a:solidFill>
@@ -4729,10 +4729,10 @@
           <a:p>
             <a:pPr algn="ctr"/>
             <a:r>
-              <a:rPr lang="tr-TR" sz="6000" dirty="0">
+              <a:rPr lang="en-US" sz="6000" dirty="0">
                 <a:ln w="0"/>
                 <a:solidFill>
-                  <a:schemeClr val="bg1"/>
+                  <a:schemeClr val="tx1"/>
                 </a:solidFill>
                 <a:effectLst>
                   <a:outerShdw blurRad="38100" dist="19050" dir="2700000" algn="tl" rotWithShape="0">
@@ -4744,23 +4744,8 @@
                 <a:latin typeface="Times New Roman" panose="02020603050405020304" pitchFamily="18" charset="0"/>
                 <a:cs typeface="Times New Roman" panose="02020603050405020304" pitchFamily="18" charset="0"/>
               </a:rPr>
-              <a:t>A</a:t>
-            </a:r>
-            <a:endParaRPr lang="en-US" sz="6000" dirty="0">
-              <a:ln w="0"/>
-              <a:solidFill>
-                <a:schemeClr val="bg1"/>
-              </a:solidFill>
-              <a:effectLst>
-                <a:outerShdw blurRad="38100" dist="19050" dir="2700000" algn="tl" rotWithShape="0">
-                  <a:schemeClr val="dk1">
-                    <a:alpha val="40000"/>
-                  </a:schemeClr>
-                </a:outerShdw>
-              </a:effectLst>
-              <a:latin typeface="Times New Roman" panose="02020603050405020304" pitchFamily="18" charset="0"/>
-              <a:cs typeface="Times New Roman" panose="02020603050405020304" pitchFamily="18" charset="0"/>
-            </a:endParaRPr>
+              <a:t>R</a:t>
+            </a:r>
           </a:p>
         </p:txBody>
       </p:sp>
@@ -4861,7 +4846,7 @@
         </p:blipFill>
         <p:spPr>
           <a:xfrm>
-            <a:off x="5751005" y="3097772"/>
+            <a:off x="2280063" y="2579411"/>
             <a:ext cx="667130" cy="662456"/>
           </a:xfrm>
           <a:prstGeom prst="rect">
@@ -4942,6 +4927,76 @@
           <a:xfrm>
             <a:off x="3793424" y="3353964"/>
             <a:ext cx="177695" cy="215384"/>
+          </a:xfrm>
+          <a:prstGeom prst="rect">
+            <a:avLst/>
+          </a:prstGeom>
+        </p:spPr>
+      </p:pic>
+      <p:pic>
+        <p:nvPicPr>
+          <p:cNvPr id="6" name="Picture 5">
+            <a:extLst>
+              <a:ext uri="{FF2B5EF4-FFF2-40B4-BE49-F238E27FC236}">
+                <a16:creationId xmlns:a16="http://schemas.microsoft.com/office/drawing/2014/main" id="{98AB13B1-BA08-4E98-AA43-8F11DEC09CF5}"/>
+              </a:ext>
+            </a:extLst>
+          </p:cNvPr>
+          <p:cNvPicPr>
+            <a:picLocks noChangeAspect="1"/>
+          </p:cNvPicPr>
+          <p:nvPr/>
+        </p:nvPicPr>
+        <p:blipFill rotWithShape="1">
+          <a:blip r:embed="rId27">
+            <a:extLst>
+              <a:ext uri="{28A0092B-C50C-407E-A947-70E740481C1C}">
+                <a14:useLocalDpi xmlns:a14="http://schemas.microsoft.com/office/drawing/2010/main" val="0"/>
+              </a:ext>
+            </a:extLst>
+          </a:blip>
+          <a:srcRect l="16796" t="11259" r="17205" b="24995"/>
+          <a:stretch/>
+        </p:blipFill>
+        <p:spPr>
+          <a:xfrm>
+            <a:off x="6007817" y="3094024"/>
+            <a:ext cx="148435" cy="143889"/>
+          </a:xfrm>
+          <a:prstGeom prst="rect">
+            <a:avLst/>
+          </a:prstGeom>
+        </p:spPr>
+      </p:pic>
+      <p:pic>
+        <p:nvPicPr>
+          <p:cNvPr id="20" name="Picture 19">
+            <a:extLst>
+              <a:ext uri="{FF2B5EF4-FFF2-40B4-BE49-F238E27FC236}">
+                <a16:creationId xmlns:a16="http://schemas.microsoft.com/office/drawing/2014/main" id="{029EBB66-D34F-4757-862A-46917F967865}"/>
+              </a:ext>
+            </a:extLst>
+          </p:cNvPr>
+          <p:cNvPicPr>
+            <a:picLocks noChangeAspect="1"/>
+          </p:cNvPicPr>
+          <p:nvPr/>
+        </p:nvPicPr>
+        <p:blipFill rotWithShape="1">
+          <a:blip r:embed="rId28">
+            <a:extLst>
+              <a:ext uri="{28A0092B-C50C-407E-A947-70E740481C1C}">
+                <a14:useLocalDpi xmlns:a14="http://schemas.microsoft.com/office/drawing/2010/main" val="0"/>
+              </a:ext>
+            </a:extLst>
+          </a:blip>
+          <a:srcRect l="15135" t="10008" r="14735" b="25155"/>
+          <a:stretch/>
+        </p:blipFill>
+        <p:spPr>
+          <a:xfrm>
+            <a:off x="6858122" y="3380111"/>
+            <a:ext cx="141550" cy="146357"/>
           </a:xfrm>
           <a:prstGeom prst="rect">
             <a:avLst/>

--- a/Images/something.pptx
+++ b/Images/something.pptx
@@ -5,12 +5,13 @@
     <p:sldMasterId id="2147483648" r:id="rId1"/>
   </p:sldMasterIdLst>
   <p:notesMasterIdLst>
-    <p:notesMasterId r:id="rId5"/>
+    <p:notesMasterId r:id="rId6"/>
   </p:notesMasterIdLst>
   <p:sldIdLst>
     <p:sldId id="256" r:id="rId2"/>
     <p:sldId id="257" r:id="rId3"/>
     <p:sldId id="258" r:id="rId4"/>
+    <p:sldId id="259" r:id="rId5"/>
   </p:sldIdLst>
   <p:sldSz cx="12192000" cy="6858000"/>
   <p:notesSz cx="6858000" cy="9144000"/>
@@ -199,7 +200,7 @@
           <a:p>
             <a:fld id="{83701286-C884-4CF0-B543-958CCE406AB2}" type="datetimeFigureOut">
               <a:rPr lang="en-US" smtClean="0"/>
-              <a:t>4/14/2020</a:t>
+              <a:t>4/25/2020</a:t>
             </a:fld>
             <a:endParaRPr lang="en-US"/>
           </a:p>
@@ -697,7 +698,7 @@
           <a:p>
             <a:fld id="{F5D9C6CE-3FD7-4A98-BB63-1AA71BDC5835}" type="datetimeFigureOut">
               <a:rPr lang="en-US" smtClean="0"/>
-              <a:t>4/14/2020</a:t>
+              <a:t>4/25/2020</a:t>
             </a:fld>
             <a:endParaRPr lang="en-US"/>
           </a:p>
@@ -895,7 +896,7 @@
           <a:p>
             <a:fld id="{F5D9C6CE-3FD7-4A98-BB63-1AA71BDC5835}" type="datetimeFigureOut">
               <a:rPr lang="en-US" smtClean="0"/>
-              <a:t>4/14/2020</a:t>
+              <a:t>4/25/2020</a:t>
             </a:fld>
             <a:endParaRPr lang="en-US"/>
           </a:p>
@@ -1103,7 +1104,7 @@
           <a:p>
             <a:fld id="{F5D9C6CE-3FD7-4A98-BB63-1AA71BDC5835}" type="datetimeFigureOut">
               <a:rPr lang="en-US" smtClean="0"/>
-              <a:t>4/14/2020</a:t>
+              <a:t>4/25/2020</a:t>
             </a:fld>
             <a:endParaRPr lang="en-US"/>
           </a:p>
@@ -1301,7 +1302,7 @@
           <a:p>
             <a:fld id="{F5D9C6CE-3FD7-4A98-BB63-1AA71BDC5835}" type="datetimeFigureOut">
               <a:rPr lang="en-US" smtClean="0"/>
-              <a:t>4/14/2020</a:t>
+              <a:t>4/25/2020</a:t>
             </a:fld>
             <a:endParaRPr lang="en-US"/>
           </a:p>
@@ -1576,7 +1577,7 @@
           <a:p>
             <a:fld id="{F5D9C6CE-3FD7-4A98-BB63-1AA71BDC5835}" type="datetimeFigureOut">
               <a:rPr lang="en-US" smtClean="0"/>
-              <a:t>4/14/2020</a:t>
+              <a:t>4/25/2020</a:t>
             </a:fld>
             <a:endParaRPr lang="en-US"/>
           </a:p>
@@ -1841,7 +1842,7 @@
           <a:p>
             <a:fld id="{F5D9C6CE-3FD7-4A98-BB63-1AA71BDC5835}" type="datetimeFigureOut">
               <a:rPr lang="en-US" smtClean="0"/>
-              <a:t>4/14/2020</a:t>
+              <a:t>4/25/2020</a:t>
             </a:fld>
             <a:endParaRPr lang="en-US"/>
           </a:p>
@@ -2253,7 +2254,7 @@
           <a:p>
             <a:fld id="{F5D9C6CE-3FD7-4A98-BB63-1AA71BDC5835}" type="datetimeFigureOut">
               <a:rPr lang="en-US" smtClean="0"/>
-              <a:t>4/14/2020</a:t>
+              <a:t>4/25/2020</a:t>
             </a:fld>
             <a:endParaRPr lang="en-US"/>
           </a:p>
@@ -2394,7 +2395,7 @@
           <a:p>
             <a:fld id="{F5D9C6CE-3FD7-4A98-BB63-1AA71BDC5835}" type="datetimeFigureOut">
               <a:rPr lang="en-US" smtClean="0"/>
-              <a:t>4/14/2020</a:t>
+              <a:t>4/25/2020</a:t>
             </a:fld>
             <a:endParaRPr lang="en-US"/>
           </a:p>
@@ -2507,7 +2508,7 @@
           <a:p>
             <a:fld id="{F5D9C6CE-3FD7-4A98-BB63-1AA71BDC5835}" type="datetimeFigureOut">
               <a:rPr lang="en-US" smtClean="0"/>
-              <a:t>4/14/2020</a:t>
+              <a:t>4/25/2020</a:t>
             </a:fld>
             <a:endParaRPr lang="en-US"/>
           </a:p>
@@ -2818,7 +2819,7 @@
           <a:p>
             <a:fld id="{F5D9C6CE-3FD7-4A98-BB63-1AA71BDC5835}" type="datetimeFigureOut">
               <a:rPr lang="en-US" smtClean="0"/>
-              <a:t>4/14/2020</a:t>
+              <a:t>4/25/2020</a:t>
             </a:fld>
             <a:endParaRPr lang="en-US"/>
           </a:p>
@@ -3106,7 +3107,7 @@
           <a:p>
             <a:fld id="{F5D9C6CE-3FD7-4A98-BB63-1AA71BDC5835}" type="datetimeFigureOut">
               <a:rPr lang="en-US" smtClean="0"/>
-              <a:t>4/14/2020</a:t>
+              <a:t>4/25/2020</a:t>
             </a:fld>
             <a:endParaRPr lang="en-US"/>
           </a:p>
@@ -3347,7 +3348,7 @@
           <a:p>
             <a:fld id="{F5D9C6CE-3FD7-4A98-BB63-1AA71BDC5835}" type="datetimeFigureOut">
               <a:rPr lang="en-US" smtClean="0"/>
-              <a:t>4/14/2020</a:t>
+              <a:t>4/25/2020</a:t>
             </a:fld>
             <a:endParaRPr lang="en-US"/>
           </a:p>
@@ -5555,6 +5556,260 @@
     <p:extLst>
       <p:ext uri="{BB962C8B-B14F-4D97-AF65-F5344CB8AC3E}">
         <p14:creationId xmlns:p14="http://schemas.microsoft.com/office/powerpoint/2010/main" val="3900955093"/>
+      </p:ext>
+    </p:extLst>
+  </p:cSld>
+  <p:clrMapOvr>
+    <a:masterClrMapping/>
+  </p:clrMapOvr>
+</p:sld>
+</file>
+
+<file path=ppt/slides/slide4.xml><?xml version="1.0" encoding="utf-8"?>
+<p:sld xmlns:a="http://schemas.openxmlformats.org/drawingml/2006/main" xmlns:r="http://schemas.openxmlformats.org/officeDocument/2006/relationships" xmlns:p="http://schemas.openxmlformats.org/presentationml/2006/main">
+  <p:cSld>
+    <p:spTree>
+      <p:nvGrpSpPr>
+        <p:cNvPr id="1" name=""/>
+        <p:cNvGrpSpPr/>
+        <p:nvPr/>
+      </p:nvGrpSpPr>
+      <p:grpSpPr>
+        <a:xfrm>
+          <a:off x="0" y="0"/>
+          <a:ext cx="0" cy="0"/>
+          <a:chOff x="0" y="0"/>
+          <a:chExt cx="0" cy="0"/>
+        </a:xfrm>
+      </p:grpSpPr>
+      <p:pic>
+        <p:nvPicPr>
+          <p:cNvPr id="5" name="Picture 4">
+            <a:extLst>
+              <a:ext uri="{FF2B5EF4-FFF2-40B4-BE49-F238E27FC236}">
+                <a16:creationId xmlns:a16="http://schemas.microsoft.com/office/drawing/2014/main" id="{F14905C8-844E-482A-ACD3-CF636024C0CF}"/>
+              </a:ext>
+            </a:extLst>
+          </p:cNvPr>
+          <p:cNvPicPr>
+            <a:picLocks noChangeAspect="1"/>
+          </p:cNvPicPr>
+          <p:nvPr/>
+        </p:nvPicPr>
+        <p:blipFill rotWithShape="1">
+          <a:blip r:embed="rId2">
+            <a:extLst>
+              <a:ext uri="{BEBA8EAE-BF5A-486C-A8C5-ECC9F3942E4B}">
+                <a14:imgProps xmlns:a14="http://schemas.microsoft.com/office/drawing/2010/main">
+                  <a14:imgLayer r:embed="rId3">
+                    <a14:imgEffect>
+                      <a14:backgroundRemoval t="0" b="100000" l="11875" r="78958"/>
+                    </a14:imgEffect>
+                  </a14:imgLayer>
+                </a14:imgProps>
+              </a:ext>
+              <a:ext uri="{28A0092B-C50C-407E-A947-70E740481C1C}">
+                <a14:useLocalDpi xmlns:a14="http://schemas.microsoft.com/office/drawing/2010/main" val="0"/>
+              </a:ext>
+            </a:extLst>
+          </a:blip>
+          <a:srcRect l="18761" r="22905"/>
+          <a:stretch/>
+        </p:blipFill>
+        <p:spPr>
+          <a:xfrm>
+            <a:off x="5778919" y="3066267"/>
+            <a:ext cx="595692" cy="725467"/>
+          </a:xfrm>
+          <a:prstGeom prst="rect">
+            <a:avLst/>
+          </a:prstGeom>
+        </p:spPr>
+      </p:pic>
+      <p:grpSp>
+        <p:nvGrpSpPr>
+          <p:cNvPr id="9" name="Group 8">
+            <a:extLst>
+              <a:ext uri="{FF2B5EF4-FFF2-40B4-BE49-F238E27FC236}">
+                <a16:creationId xmlns:a16="http://schemas.microsoft.com/office/drawing/2014/main" id="{8368641A-737A-4660-B682-B422871BF5EB}"/>
+              </a:ext>
+            </a:extLst>
+          </p:cNvPr>
+          <p:cNvGrpSpPr/>
+          <p:nvPr/>
+        </p:nvGrpSpPr>
+        <p:grpSpPr>
+          <a:xfrm>
+            <a:off x="4543666" y="2991775"/>
+            <a:ext cx="595692" cy="799959"/>
+            <a:chOff x="4543666" y="2991775"/>
+            <a:chExt cx="595692" cy="799959"/>
+          </a:xfrm>
+        </p:grpSpPr>
+        <p:pic>
+          <p:nvPicPr>
+            <p:cNvPr id="7" name="Picture 6">
+              <a:extLst>
+                <a:ext uri="{FF2B5EF4-FFF2-40B4-BE49-F238E27FC236}">
+                  <a16:creationId xmlns:a16="http://schemas.microsoft.com/office/drawing/2014/main" id="{7D22313D-204C-4E00-8005-BD428DF9B181}"/>
+                </a:ext>
+              </a:extLst>
+            </p:cNvPr>
+            <p:cNvPicPr>
+              <a:picLocks noChangeAspect="1"/>
+            </p:cNvPicPr>
+            <p:nvPr/>
+          </p:nvPicPr>
+          <p:blipFill>
+            <a:blip r:embed="rId4">
+              <a:extLst>
+                <a:ext uri="{28A0092B-C50C-407E-A947-70E740481C1C}">
+                  <a14:useLocalDpi xmlns:a14="http://schemas.microsoft.com/office/drawing/2010/main" val="0"/>
+                </a:ext>
+              </a:extLst>
+            </a:blip>
+            <a:stretch>
+              <a:fillRect/>
+            </a:stretch>
+          </p:blipFill>
+          <p:spPr>
+            <a:xfrm>
+              <a:off x="4555057" y="3216311"/>
+              <a:ext cx="575423" cy="575423"/>
+            </a:xfrm>
+            <a:prstGeom prst="rect">
+              <a:avLst/>
+            </a:prstGeom>
+          </p:spPr>
+        </p:pic>
+        <p:sp>
+          <p:nvSpPr>
+            <p:cNvPr id="8" name="Rectangle 7">
+              <a:extLst>
+                <a:ext uri="{FF2B5EF4-FFF2-40B4-BE49-F238E27FC236}">
+                  <a16:creationId xmlns:a16="http://schemas.microsoft.com/office/drawing/2014/main" id="{F9BDDA6B-7EB4-4D0E-ABA0-5236E75E884C}"/>
+                </a:ext>
+              </a:extLst>
+            </p:cNvPr>
+            <p:cNvSpPr/>
+            <p:nvPr/>
+          </p:nvSpPr>
+          <p:spPr>
+            <a:xfrm>
+              <a:off x="4543666" y="2991775"/>
+              <a:ext cx="595692" cy="224536"/>
+            </a:xfrm>
+            <a:prstGeom prst="rect">
+              <a:avLst/>
+            </a:prstGeom>
+            <a:noFill/>
+            <a:ln>
+              <a:noFill/>
+            </a:ln>
+          </p:spPr>
+          <p:style>
+            <a:lnRef idx="2">
+              <a:schemeClr val="accent1">
+                <a:shade val="50000"/>
+              </a:schemeClr>
+            </a:lnRef>
+            <a:fillRef idx="1">
+              <a:schemeClr val="accent1"/>
+            </a:fillRef>
+            <a:effectRef idx="0">
+              <a:schemeClr val="accent1"/>
+            </a:effectRef>
+            <a:fontRef idx="minor">
+              <a:schemeClr val="lt1"/>
+            </a:fontRef>
+          </p:style>
+          <p:txBody>
+            <a:bodyPr rot="0" spcFirstLastPara="0" vertOverflow="overflow" horzOverflow="overflow" vert="horz" wrap="square" lIns="91440" tIns="45720" rIns="91440" bIns="45720" numCol="1" spcCol="0" rtlCol="0" fromWordArt="0" anchor="ctr" anchorCtr="0" forceAA="0" compatLnSpc="1">
+              <a:prstTxWarp prst="textNoShape">
+                <a:avLst/>
+              </a:prstTxWarp>
+              <a:noAutofit/>
+            </a:bodyPr>
+            <a:lstStyle/>
+            <a:p>
+              <a:pPr algn="ctr"/>
+              <a:r>
+                <a:rPr lang="tr-TR" sz="1050" dirty="0">
+                  <a:ln w="0"/>
+                  <a:solidFill>
+                    <a:schemeClr val="accent1"/>
+                  </a:solidFill>
+                  <a:effectLst>
+                    <a:outerShdw blurRad="38100" dist="25400" dir="5400000" algn="ctr" rotWithShape="0">
+                      <a:srgbClr val="6E747A">
+                        <a:alpha val="43000"/>
+                      </a:srgbClr>
+                    </a:outerShdw>
+                  </a:effectLst>
+                  <a:latin typeface="Times New Roman" panose="02020603050405020304" pitchFamily="18" charset="0"/>
+                  <a:cs typeface="Times New Roman" panose="02020603050405020304" pitchFamily="18" charset="0"/>
+                </a:rPr>
+                <a:t>Kaydet</a:t>
+              </a:r>
+              <a:endParaRPr lang="en-US" sz="1050" dirty="0">
+                <a:ln w="0"/>
+                <a:solidFill>
+                  <a:schemeClr val="accent1"/>
+                </a:solidFill>
+                <a:effectLst>
+                  <a:outerShdw blurRad="38100" dist="25400" dir="5400000" algn="ctr" rotWithShape="0">
+                    <a:srgbClr val="6E747A">
+                      <a:alpha val="43000"/>
+                    </a:srgbClr>
+                  </a:outerShdw>
+                </a:effectLst>
+                <a:latin typeface="Times New Roman" panose="02020603050405020304" pitchFamily="18" charset="0"/>
+                <a:cs typeface="Times New Roman" panose="02020603050405020304" pitchFamily="18" charset="0"/>
+              </a:endParaRPr>
+            </a:p>
+          </p:txBody>
+        </p:sp>
+      </p:grpSp>
+      <p:pic>
+        <p:nvPicPr>
+          <p:cNvPr id="11" name="Picture 10">
+            <a:extLst>
+              <a:ext uri="{FF2B5EF4-FFF2-40B4-BE49-F238E27FC236}">
+                <a16:creationId xmlns:a16="http://schemas.microsoft.com/office/drawing/2014/main" id="{F348F8C3-6CDC-4F02-A37C-D991BF32E810}"/>
+              </a:ext>
+            </a:extLst>
+          </p:cNvPr>
+          <p:cNvPicPr>
+            <a:picLocks noChangeAspect="1"/>
+          </p:cNvPicPr>
+          <p:nvPr/>
+        </p:nvPicPr>
+        <p:blipFill>
+          <a:blip r:embed="rId5">
+            <a:extLst>
+              <a:ext uri="{28A0092B-C50C-407E-A947-70E740481C1C}">
+                <a14:useLocalDpi xmlns:a14="http://schemas.microsoft.com/office/drawing/2010/main" val="0"/>
+              </a:ext>
+            </a:extLst>
+          </a:blip>
+          <a:stretch>
+            <a:fillRect/>
+          </a:stretch>
+        </p:blipFill>
+        <p:spPr>
+          <a:xfrm>
+            <a:off x="5891964" y="3152093"/>
+            <a:ext cx="408073" cy="553814"/>
+          </a:xfrm>
+          <a:prstGeom prst="rect">
+            <a:avLst/>
+          </a:prstGeom>
+        </p:spPr>
+      </p:pic>
+    </p:spTree>
+    <p:extLst>
+      <p:ext uri="{BB962C8B-B14F-4D97-AF65-F5344CB8AC3E}">
+        <p14:creationId xmlns:p14="http://schemas.microsoft.com/office/powerpoint/2010/main" val="1446986835"/>
       </p:ext>
     </p:extLst>
   </p:cSld>

--- a/Images/something.pptx
+++ b/Images/something.pptx
@@ -200,7 +200,7 @@
           <a:p>
             <a:fld id="{83701286-C884-4CF0-B543-958CCE406AB2}" type="datetimeFigureOut">
               <a:rPr lang="en-US" smtClean="0"/>
-              <a:t>4/25/2020</a:t>
+              <a:t>4/26/2020</a:t>
             </a:fld>
             <a:endParaRPr lang="en-US"/>
           </a:p>
@@ -698,7 +698,7 @@
           <a:p>
             <a:fld id="{F5D9C6CE-3FD7-4A98-BB63-1AA71BDC5835}" type="datetimeFigureOut">
               <a:rPr lang="en-US" smtClean="0"/>
-              <a:t>4/25/2020</a:t>
+              <a:t>4/26/2020</a:t>
             </a:fld>
             <a:endParaRPr lang="en-US"/>
           </a:p>
@@ -896,7 +896,7 @@
           <a:p>
             <a:fld id="{F5D9C6CE-3FD7-4A98-BB63-1AA71BDC5835}" type="datetimeFigureOut">
               <a:rPr lang="en-US" smtClean="0"/>
-              <a:t>4/25/2020</a:t>
+              <a:t>4/26/2020</a:t>
             </a:fld>
             <a:endParaRPr lang="en-US"/>
           </a:p>
@@ -1104,7 +1104,7 @@
           <a:p>
             <a:fld id="{F5D9C6CE-3FD7-4A98-BB63-1AA71BDC5835}" type="datetimeFigureOut">
               <a:rPr lang="en-US" smtClean="0"/>
-              <a:t>4/25/2020</a:t>
+              <a:t>4/26/2020</a:t>
             </a:fld>
             <a:endParaRPr lang="en-US"/>
           </a:p>
@@ -1302,7 +1302,7 @@
           <a:p>
             <a:fld id="{F5D9C6CE-3FD7-4A98-BB63-1AA71BDC5835}" type="datetimeFigureOut">
               <a:rPr lang="en-US" smtClean="0"/>
-              <a:t>4/25/2020</a:t>
+              <a:t>4/26/2020</a:t>
             </a:fld>
             <a:endParaRPr lang="en-US"/>
           </a:p>
@@ -1577,7 +1577,7 @@
           <a:p>
             <a:fld id="{F5D9C6CE-3FD7-4A98-BB63-1AA71BDC5835}" type="datetimeFigureOut">
               <a:rPr lang="en-US" smtClean="0"/>
-              <a:t>4/25/2020</a:t>
+              <a:t>4/26/2020</a:t>
             </a:fld>
             <a:endParaRPr lang="en-US"/>
           </a:p>
@@ -1842,7 +1842,7 @@
           <a:p>
             <a:fld id="{F5D9C6CE-3FD7-4A98-BB63-1AA71BDC5835}" type="datetimeFigureOut">
               <a:rPr lang="en-US" smtClean="0"/>
-              <a:t>4/25/2020</a:t>
+              <a:t>4/26/2020</a:t>
             </a:fld>
             <a:endParaRPr lang="en-US"/>
           </a:p>
@@ -2254,7 +2254,7 @@
           <a:p>
             <a:fld id="{F5D9C6CE-3FD7-4A98-BB63-1AA71BDC5835}" type="datetimeFigureOut">
               <a:rPr lang="en-US" smtClean="0"/>
-              <a:t>4/25/2020</a:t>
+              <a:t>4/26/2020</a:t>
             </a:fld>
             <a:endParaRPr lang="en-US"/>
           </a:p>
@@ -2395,7 +2395,7 @@
           <a:p>
             <a:fld id="{F5D9C6CE-3FD7-4A98-BB63-1AA71BDC5835}" type="datetimeFigureOut">
               <a:rPr lang="en-US" smtClean="0"/>
-              <a:t>4/25/2020</a:t>
+              <a:t>4/26/2020</a:t>
             </a:fld>
             <a:endParaRPr lang="en-US"/>
           </a:p>
@@ -2508,7 +2508,7 @@
           <a:p>
             <a:fld id="{F5D9C6CE-3FD7-4A98-BB63-1AA71BDC5835}" type="datetimeFigureOut">
               <a:rPr lang="en-US" smtClean="0"/>
-              <a:t>4/25/2020</a:t>
+              <a:t>4/26/2020</a:t>
             </a:fld>
             <a:endParaRPr lang="en-US"/>
           </a:p>
@@ -2819,7 +2819,7 @@
           <a:p>
             <a:fld id="{F5D9C6CE-3FD7-4A98-BB63-1AA71BDC5835}" type="datetimeFigureOut">
               <a:rPr lang="en-US" smtClean="0"/>
-              <a:t>4/25/2020</a:t>
+              <a:t>4/26/2020</a:t>
             </a:fld>
             <a:endParaRPr lang="en-US"/>
           </a:p>
@@ -3107,7 +3107,7 @@
           <a:p>
             <a:fld id="{F5D9C6CE-3FD7-4A98-BB63-1AA71BDC5835}" type="datetimeFigureOut">
               <a:rPr lang="en-US" smtClean="0"/>
-              <a:t>4/25/2020</a:t>
+              <a:t>4/26/2020</a:t>
             </a:fld>
             <a:endParaRPr lang="en-US"/>
           </a:p>
@@ -3348,7 +3348,7 @@
           <a:p>
             <a:fld id="{F5D9C6CE-3FD7-4A98-BB63-1AA71BDC5835}" type="datetimeFigureOut">
               <a:rPr lang="en-US" smtClean="0"/>
-              <a:t>4/25/2020</a:t>
+              <a:t>4/26/2020</a:t>
             </a:fld>
             <a:endParaRPr lang="en-US"/>
           </a:p>
@@ -4110,8 +4110,8 @@
         </p:blipFill>
         <p:spPr>
           <a:xfrm>
-            <a:off x="6880198" y="3172270"/>
-            <a:ext cx="129511" cy="139195"/>
+            <a:off x="6741722" y="3319914"/>
+            <a:ext cx="406462" cy="260278"/>
           </a:xfrm>
           <a:prstGeom prst="rect">
             <a:avLst/>

--- a/Images/something.pptx
+++ b/Images/something.pptx
@@ -200,7 +200,7 @@
           <a:p>
             <a:fld id="{83701286-C884-4CF0-B543-958CCE406AB2}" type="datetimeFigureOut">
               <a:rPr lang="en-US" smtClean="0"/>
-              <a:t>4/26/2020</a:t>
+              <a:t>5/23/2020</a:t>
             </a:fld>
             <a:endParaRPr lang="en-US"/>
           </a:p>
@@ -698,7 +698,7 @@
           <a:p>
             <a:fld id="{F5D9C6CE-3FD7-4A98-BB63-1AA71BDC5835}" type="datetimeFigureOut">
               <a:rPr lang="en-US" smtClean="0"/>
-              <a:t>4/26/2020</a:t>
+              <a:t>5/23/2020</a:t>
             </a:fld>
             <a:endParaRPr lang="en-US"/>
           </a:p>
@@ -896,7 +896,7 @@
           <a:p>
             <a:fld id="{F5D9C6CE-3FD7-4A98-BB63-1AA71BDC5835}" type="datetimeFigureOut">
               <a:rPr lang="en-US" smtClean="0"/>
-              <a:t>4/26/2020</a:t>
+              <a:t>5/23/2020</a:t>
             </a:fld>
             <a:endParaRPr lang="en-US"/>
           </a:p>
@@ -1104,7 +1104,7 @@
           <a:p>
             <a:fld id="{F5D9C6CE-3FD7-4A98-BB63-1AA71BDC5835}" type="datetimeFigureOut">
               <a:rPr lang="en-US" smtClean="0"/>
-              <a:t>4/26/2020</a:t>
+              <a:t>5/23/2020</a:t>
             </a:fld>
             <a:endParaRPr lang="en-US"/>
           </a:p>
@@ -1302,7 +1302,7 @@
           <a:p>
             <a:fld id="{F5D9C6CE-3FD7-4A98-BB63-1AA71BDC5835}" type="datetimeFigureOut">
               <a:rPr lang="en-US" smtClean="0"/>
-              <a:t>4/26/2020</a:t>
+              <a:t>5/23/2020</a:t>
             </a:fld>
             <a:endParaRPr lang="en-US"/>
           </a:p>
@@ -1577,7 +1577,7 @@
           <a:p>
             <a:fld id="{F5D9C6CE-3FD7-4A98-BB63-1AA71BDC5835}" type="datetimeFigureOut">
               <a:rPr lang="en-US" smtClean="0"/>
-              <a:t>4/26/2020</a:t>
+              <a:t>5/23/2020</a:t>
             </a:fld>
             <a:endParaRPr lang="en-US"/>
           </a:p>
@@ -1842,7 +1842,7 @@
           <a:p>
             <a:fld id="{F5D9C6CE-3FD7-4A98-BB63-1AA71BDC5835}" type="datetimeFigureOut">
               <a:rPr lang="en-US" smtClean="0"/>
-              <a:t>4/26/2020</a:t>
+              <a:t>5/23/2020</a:t>
             </a:fld>
             <a:endParaRPr lang="en-US"/>
           </a:p>
@@ -2254,7 +2254,7 @@
           <a:p>
             <a:fld id="{F5D9C6CE-3FD7-4A98-BB63-1AA71BDC5835}" type="datetimeFigureOut">
               <a:rPr lang="en-US" smtClean="0"/>
-              <a:t>4/26/2020</a:t>
+              <a:t>5/23/2020</a:t>
             </a:fld>
             <a:endParaRPr lang="en-US"/>
           </a:p>
@@ -2395,7 +2395,7 @@
           <a:p>
             <a:fld id="{F5D9C6CE-3FD7-4A98-BB63-1AA71BDC5835}" type="datetimeFigureOut">
               <a:rPr lang="en-US" smtClean="0"/>
-              <a:t>4/26/2020</a:t>
+              <a:t>5/23/2020</a:t>
             </a:fld>
             <a:endParaRPr lang="en-US"/>
           </a:p>
@@ -2508,7 +2508,7 @@
           <a:p>
             <a:fld id="{F5D9C6CE-3FD7-4A98-BB63-1AA71BDC5835}" type="datetimeFigureOut">
               <a:rPr lang="en-US" smtClean="0"/>
-              <a:t>4/26/2020</a:t>
+              <a:t>5/23/2020</a:t>
             </a:fld>
             <a:endParaRPr lang="en-US"/>
           </a:p>
@@ -2819,7 +2819,7 @@
           <a:p>
             <a:fld id="{F5D9C6CE-3FD7-4A98-BB63-1AA71BDC5835}" type="datetimeFigureOut">
               <a:rPr lang="en-US" smtClean="0"/>
-              <a:t>4/26/2020</a:t>
+              <a:t>5/23/2020</a:t>
             </a:fld>
             <a:endParaRPr lang="en-US"/>
           </a:p>
@@ -3107,7 +3107,7 @@
           <a:p>
             <a:fld id="{F5D9C6CE-3FD7-4A98-BB63-1AA71BDC5835}" type="datetimeFigureOut">
               <a:rPr lang="en-US" smtClean="0"/>
-              <a:t>4/26/2020</a:t>
+              <a:t>5/23/2020</a:t>
             </a:fld>
             <a:endParaRPr lang="en-US"/>
           </a:p>
@@ -3348,7 +3348,7 @@
           <a:p>
             <a:fld id="{F5D9C6CE-3FD7-4A98-BB63-1AA71BDC5835}" type="datetimeFigureOut">
               <a:rPr lang="en-US" smtClean="0"/>
-              <a:t>4/26/2020</a:t>
+              <a:t>5/23/2020</a:t>
             </a:fld>
             <a:endParaRPr lang="en-US"/>
           </a:p>
@@ -5618,7 +5618,7 @@
         </p:blipFill>
         <p:spPr>
           <a:xfrm>
-            <a:off x="5778919" y="3066267"/>
+            <a:off x="5130480" y="2378576"/>
             <a:ext cx="595692" cy="725467"/>
           </a:xfrm>
           <a:prstGeom prst="rect">
@@ -5800,6 +5800,41 @@
           <a:xfrm>
             <a:off x="5891964" y="3152093"/>
             <a:ext cx="408073" cy="553814"/>
+          </a:xfrm>
+          <a:prstGeom prst="rect">
+            <a:avLst/>
+          </a:prstGeom>
+        </p:spPr>
+      </p:pic>
+      <p:pic>
+        <p:nvPicPr>
+          <p:cNvPr id="10" name="Picture 9">
+            <a:extLst>
+              <a:ext uri="{FF2B5EF4-FFF2-40B4-BE49-F238E27FC236}">
+                <a16:creationId xmlns:a16="http://schemas.microsoft.com/office/drawing/2014/main" id="{767B24D5-4F3C-46B6-B36C-D8EAE52E77B7}"/>
+              </a:ext>
+            </a:extLst>
+          </p:cNvPr>
+          <p:cNvPicPr>
+            <a:picLocks noChangeAspect="1"/>
+          </p:cNvPicPr>
+          <p:nvPr/>
+        </p:nvPicPr>
+        <p:blipFill rotWithShape="1">
+          <a:blip r:embed="rId6">
+            <a:extLst>
+              <a:ext uri="{28A0092B-C50C-407E-A947-70E740481C1C}">
+                <a14:useLocalDpi xmlns:a14="http://schemas.microsoft.com/office/drawing/2010/main" val="0"/>
+              </a:ext>
+            </a:extLst>
+          </a:blip>
+          <a:srcRect l="21387" r="22783"/>
+          <a:stretch/>
+        </p:blipFill>
+        <p:spPr>
+          <a:xfrm>
+            <a:off x="3479633" y="180975"/>
+            <a:ext cx="574885" cy="731520"/>
           </a:xfrm>
           <a:prstGeom prst="rect">
             <a:avLst/>

--- a/Images/something.pptx
+++ b/Images/something.pptx
@@ -200,7 +200,7 @@
           <a:p>
             <a:fld id="{83701286-C884-4CF0-B543-958CCE406AB2}" type="datetimeFigureOut">
               <a:rPr lang="en-US" smtClean="0"/>
-              <a:t>5/23/2020</a:t>
+              <a:t>6/5/2020</a:t>
             </a:fld>
             <a:endParaRPr lang="en-US"/>
           </a:p>
@@ -698,7 +698,7 @@
           <a:p>
             <a:fld id="{F5D9C6CE-3FD7-4A98-BB63-1AA71BDC5835}" type="datetimeFigureOut">
               <a:rPr lang="en-US" smtClean="0"/>
-              <a:t>5/23/2020</a:t>
+              <a:t>6/5/2020</a:t>
             </a:fld>
             <a:endParaRPr lang="en-US"/>
           </a:p>
@@ -896,7 +896,7 @@
           <a:p>
             <a:fld id="{F5D9C6CE-3FD7-4A98-BB63-1AA71BDC5835}" type="datetimeFigureOut">
               <a:rPr lang="en-US" smtClean="0"/>
-              <a:t>5/23/2020</a:t>
+              <a:t>6/5/2020</a:t>
             </a:fld>
             <a:endParaRPr lang="en-US"/>
           </a:p>
@@ -1104,7 +1104,7 @@
           <a:p>
             <a:fld id="{F5D9C6CE-3FD7-4A98-BB63-1AA71BDC5835}" type="datetimeFigureOut">
               <a:rPr lang="en-US" smtClean="0"/>
-              <a:t>5/23/2020</a:t>
+              <a:t>6/5/2020</a:t>
             </a:fld>
             <a:endParaRPr lang="en-US"/>
           </a:p>
@@ -1302,7 +1302,7 @@
           <a:p>
             <a:fld id="{F5D9C6CE-3FD7-4A98-BB63-1AA71BDC5835}" type="datetimeFigureOut">
               <a:rPr lang="en-US" smtClean="0"/>
-              <a:t>5/23/2020</a:t>
+              <a:t>6/5/2020</a:t>
             </a:fld>
             <a:endParaRPr lang="en-US"/>
           </a:p>
@@ -1577,7 +1577,7 @@
           <a:p>
             <a:fld id="{F5D9C6CE-3FD7-4A98-BB63-1AA71BDC5835}" type="datetimeFigureOut">
               <a:rPr lang="en-US" smtClean="0"/>
-              <a:t>5/23/2020</a:t>
+              <a:t>6/5/2020</a:t>
             </a:fld>
             <a:endParaRPr lang="en-US"/>
           </a:p>
@@ -1842,7 +1842,7 @@
           <a:p>
             <a:fld id="{F5D9C6CE-3FD7-4A98-BB63-1AA71BDC5835}" type="datetimeFigureOut">
               <a:rPr lang="en-US" smtClean="0"/>
-              <a:t>5/23/2020</a:t>
+              <a:t>6/5/2020</a:t>
             </a:fld>
             <a:endParaRPr lang="en-US"/>
           </a:p>
@@ -2254,7 +2254,7 @@
           <a:p>
             <a:fld id="{F5D9C6CE-3FD7-4A98-BB63-1AA71BDC5835}" type="datetimeFigureOut">
               <a:rPr lang="en-US" smtClean="0"/>
-              <a:t>5/23/2020</a:t>
+              <a:t>6/5/2020</a:t>
             </a:fld>
             <a:endParaRPr lang="en-US"/>
           </a:p>
@@ -2395,7 +2395,7 @@
           <a:p>
             <a:fld id="{F5D9C6CE-3FD7-4A98-BB63-1AA71BDC5835}" type="datetimeFigureOut">
               <a:rPr lang="en-US" smtClean="0"/>
-              <a:t>5/23/2020</a:t>
+              <a:t>6/5/2020</a:t>
             </a:fld>
             <a:endParaRPr lang="en-US"/>
           </a:p>
@@ -2508,7 +2508,7 @@
           <a:p>
             <a:fld id="{F5D9C6CE-3FD7-4A98-BB63-1AA71BDC5835}" type="datetimeFigureOut">
               <a:rPr lang="en-US" smtClean="0"/>
-              <a:t>5/23/2020</a:t>
+              <a:t>6/5/2020</a:t>
             </a:fld>
             <a:endParaRPr lang="en-US"/>
           </a:p>
@@ -2819,7 +2819,7 @@
           <a:p>
             <a:fld id="{F5D9C6CE-3FD7-4A98-BB63-1AA71BDC5835}" type="datetimeFigureOut">
               <a:rPr lang="en-US" smtClean="0"/>
-              <a:t>5/23/2020</a:t>
+              <a:t>6/5/2020</a:t>
             </a:fld>
             <a:endParaRPr lang="en-US"/>
           </a:p>
@@ -3107,7 +3107,7 @@
           <a:p>
             <a:fld id="{F5D9C6CE-3FD7-4A98-BB63-1AA71BDC5835}" type="datetimeFigureOut">
               <a:rPr lang="en-US" smtClean="0"/>
-              <a:t>5/23/2020</a:t>
+              <a:t>6/5/2020</a:t>
             </a:fld>
             <a:endParaRPr lang="en-US"/>
           </a:p>
@@ -3348,7 +3348,7 @@
           <a:p>
             <a:fld id="{F5D9C6CE-3FD7-4A98-BB63-1AA71BDC5835}" type="datetimeFigureOut">
               <a:rPr lang="en-US" smtClean="0"/>
-              <a:t>5/23/2020</a:t>
+              <a:t>6/5/2020</a:t>
             </a:fld>
             <a:endParaRPr lang="en-US"/>
           </a:p>
@@ -5835,6 +5835,42 @@
           <a:xfrm>
             <a:off x="3479633" y="180975"/>
             <a:ext cx="574885" cy="731520"/>
+          </a:xfrm>
+          <a:prstGeom prst="rect">
+            <a:avLst/>
+          </a:prstGeom>
+        </p:spPr>
+      </p:pic>
+      <p:pic>
+        <p:nvPicPr>
+          <p:cNvPr id="3" name="Picture 2">
+            <a:extLst>
+              <a:ext uri="{FF2B5EF4-FFF2-40B4-BE49-F238E27FC236}">
+                <a16:creationId xmlns:a16="http://schemas.microsoft.com/office/drawing/2014/main" id="{037B8C88-77CC-4CEB-A330-7733084566A2}"/>
+              </a:ext>
+            </a:extLst>
+          </p:cNvPr>
+          <p:cNvPicPr>
+            <a:picLocks noChangeAspect="1"/>
+          </p:cNvPicPr>
+          <p:nvPr/>
+        </p:nvPicPr>
+        <p:blipFill>
+          <a:blip r:embed="rId7">
+            <a:extLst>
+              <a:ext uri="{28A0092B-C50C-407E-A947-70E740481C1C}">
+                <a14:useLocalDpi xmlns:a14="http://schemas.microsoft.com/office/drawing/2010/main" val="0"/>
+              </a:ext>
+            </a:extLst>
+          </a:blip>
+          <a:stretch>
+            <a:fillRect/>
+          </a:stretch>
+        </p:blipFill>
+        <p:spPr>
+          <a:xfrm>
+            <a:off x="3294321" y="6284748"/>
+            <a:ext cx="449655" cy="545955"/>
           </a:xfrm>
           <a:prstGeom prst="rect">
             <a:avLst/>

--- a/Images/something.pptx
+++ b/Images/something.pptx
@@ -542,6 +542,90 @@
     <p:extLst>
       <p:ext uri="{BB962C8B-B14F-4D97-AF65-F5344CB8AC3E}">
         <p14:creationId xmlns:p14="http://schemas.microsoft.com/office/powerpoint/2010/main" val="291076271"/>
+      </p:ext>
+    </p:extLst>
+  </p:cSld>
+  <p:clrMapOvr>
+    <a:masterClrMapping/>
+  </p:clrMapOvr>
+</p:notes>
+</file>
+
+<file path=ppt/notesSlides/notesSlide2.xml><?xml version="1.0" encoding="utf-8"?>
+<p:notes xmlns:a="http://schemas.openxmlformats.org/drawingml/2006/main" xmlns:r="http://schemas.openxmlformats.org/officeDocument/2006/relationships" xmlns:p="http://schemas.openxmlformats.org/presentationml/2006/main">
+  <p:cSld>
+    <p:spTree>
+      <p:nvGrpSpPr>
+        <p:cNvPr id="1" name=""/>
+        <p:cNvGrpSpPr/>
+        <p:nvPr/>
+      </p:nvGrpSpPr>
+      <p:grpSpPr>
+        <a:xfrm>
+          <a:off x="0" y="0"/>
+          <a:ext cx="0" cy="0"/>
+          <a:chOff x="0" y="0"/>
+          <a:chExt cx="0" cy="0"/>
+        </a:xfrm>
+      </p:grpSpPr>
+      <p:sp>
+        <p:nvSpPr>
+          <p:cNvPr id="2" name="Slide Image Placeholder 1"/>
+          <p:cNvSpPr>
+            <a:spLocks noGrp="1" noRot="1" noChangeAspect="1"/>
+          </p:cNvSpPr>
+          <p:nvPr>
+            <p:ph type="sldImg"/>
+          </p:nvPr>
+        </p:nvSpPr>
+        <p:spPr/>
+      </p:sp>
+      <p:sp>
+        <p:nvSpPr>
+          <p:cNvPr id="3" name="Notes Placeholder 2"/>
+          <p:cNvSpPr>
+            <a:spLocks noGrp="1"/>
+          </p:cNvSpPr>
+          <p:nvPr>
+            <p:ph type="body" idx="1"/>
+          </p:nvPr>
+        </p:nvSpPr>
+        <p:spPr/>
+        <p:txBody>
+          <a:bodyPr/>
+          <a:lstStyle/>
+          <a:p>
+            <a:endParaRPr lang="en-US" dirty="0"/>
+          </a:p>
+        </p:txBody>
+      </p:sp>
+      <p:sp>
+        <p:nvSpPr>
+          <p:cNvPr id="4" name="Slide Number Placeholder 3"/>
+          <p:cNvSpPr>
+            <a:spLocks noGrp="1"/>
+          </p:cNvSpPr>
+          <p:nvPr>
+            <p:ph type="sldNum" sz="quarter" idx="5"/>
+          </p:nvPr>
+        </p:nvSpPr>
+        <p:spPr/>
+        <p:txBody>
+          <a:bodyPr/>
+          <a:lstStyle/>
+          <a:p>
+            <a:fld id="{6D6B8C65-0009-4CC8-A4E2-3259AAB9690B}" type="slidenum">
+              <a:rPr lang="en-US" smtClean="0"/>
+              <a:t>4</a:t>
+            </a:fld>
+            <a:endParaRPr lang="en-US"/>
+          </a:p>
+        </p:txBody>
+      </p:sp>
+    </p:spTree>
+    <p:extLst>
+      <p:ext uri="{BB962C8B-B14F-4D97-AF65-F5344CB8AC3E}">
+        <p14:creationId xmlns:p14="http://schemas.microsoft.com/office/powerpoint/2010/main" val="3079341271"/>
       </p:ext>
     </p:extLst>
   </p:cSld>
@@ -5597,11 +5681,11 @@
           <p:nvPr/>
         </p:nvPicPr>
         <p:blipFill rotWithShape="1">
-          <a:blip r:embed="rId2">
+          <a:blip r:embed="rId3">
             <a:extLst>
               <a:ext uri="{BEBA8EAE-BF5A-486C-A8C5-ECC9F3942E4B}">
                 <a14:imgProps xmlns:a14="http://schemas.microsoft.com/office/drawing/2010/main">
-                  <a14:imgLayer r:embed="rId3">
+                  <a14:imgLayer r:embed="rId4">
                     <a14:imgEffect>
                       <a14:backgroundRemoval t="0" b="100000" l="11875" r="78958"/>
                     </a14:imgEffect>
@@ -5661,7 +5745,7 @@
             <p:nvPr/>
           </p:nvPicPr>
           <p:blipFill>
-            <a:blip r:embed="rId4">
+            <a:blip r:embed="rId5">
               <a:extLst>
                 <a:ext uri="{28A0092B-C50C-407E-A947-70E740481C1C}">
                   <a14:useLocalDpi xmlns:a14="http://schemas.microsoft.com/office/drawing/2010/main" val="0"/>
@@ -5785,7 +5869,7 @@
           <p:nvPr/>
         </p:nvPicPr>
         <p:blipFill>
-          <a:blip r:embed="rId5">
+          <a:blip r:embed="rId6">
             <a:extLst>
               <a:ext uri="{28A0092B-C50C-407E-A947-70E740481C1C}">
                 <a14:useLocalDpi xmlns:a14="http://schemas.microsoft.com/office/drawing/2010/main" val="0"/>
@@ -5821,7 +5905,7 @@
           <p:nvPr/>
         </p:nvPicPr>
         <p:blipFill rotWithShape="1">
-          <a:blip r:embed="rId6">
+          <a:blip r:embed="rId7">
             <a:extLst>
               <a:ext uri="{28A0092B-C50C-407E-A947-70E740481C1C}">
                 <a14:useLocalDpi xmlns:a14="http://schemas.microsoft.com/office/drawing/2010/main" val="0"/>
@@ -5856,7 +5940,7 @@
           <p:nvPr/>
         </p:nvPicPr>
         <p:blipFill>
-          <a:blip r:embed="rId7">
+          <a:blip r:embed="rId8">
             <a:extLst>
               <a:ext uri="{28A0092B-C50C-407E-A947-70E740481C1C}">
                 <a14:useLocalDpi xmlns:a14="http://schemas.microsoft.com/office/drawing/2010/main" val="0"/>
@@ -5871,6 +5955,42 @@
           <a:xfrm>
             <a:off x="3294321" y="6284748"/>
             <a:ext cx="449655" cy="545955"/>
+          </a:xfrm>
+          <a:prstGeom prst="rect">
+            <a:avLst/>
+          </a:prstGeom>
+        </p:spPr>
+      </p:pic>
+      <p:pic>
+        <p:nvPicPr>
+          <p:cNvPr id="4" name="Picture 3">
+            <a:extLst>
+              <a:ext uri="{FF2B5EF4-FFF2-40B4-BE49-F238E27FC236}">
+                <a16:creationId xmlns:a16="http://schemas.microsoft.com/office/drawing/2014/main" id="{64566421-DFF8-4703-AAFA-29CEC92FBE61}"/>
+              </a:ext>
+            </a:extLst>
+          </p:cNvPr>
+          <p:cNvPicPr>
+            <a:picLocks noChangeAspect="1"/>
+          </p:cNvPicPr>
+          <p:nvPr/>
+        </p:nvPicPr>
+        <p:blipFill>
+          <a:blip r:embed="rId9">
+            <a:extLst>
+              <a:ext uri="{28A0092B-C50C-407E-A947-70E740481C1C}">
+                <a14:useLocalDpi xmlns:a14="http://schemas.microsoft.com/office/drawing/2010/main" val="0"/>
+              </a:ext>
+            </a:extLst>
+          </a:blip>
+          <a:stretch>
+            <a:fillRect/>
+          </a:stretch>
+        </p:blipFill>
+        <p:spPr>
+          <a:xfrm>
+            <a:off x="2469655" y="5839631"/>
+            <a:ext cx="578267" cy="579876"/>
           </a:xfrm>
           <a:prstGeom prst="rect">
             <a:avLst/>

--- a/Images/something.pptx
+++ b/Images/something.pptx
@@ -200,7 +200,7 @@
           <a:p>
             <a:fld id="{83701286-C884-4CF0-B543-958CCE406AB2}" type="datetimeFigureOut">
               <a:rPr lang="en-US" smtClean="0"/>
-              <a:t>6/5/2020</a:t>
+              <a:t>6/20/2020</a:t>
             </a:fld>
             <a:endParaRPr lang="en-US"/>
           </a:p>
@@ -782,7 +782,7 @@
           <a:p>
             <a:fld id="{F5D9C6CE-3FD7-4A98-BB63-1AA71BDC5835}" type="datetimeFigureOut">
               <a:rPr lang="en-US" smtClean="0"/>
-              <a:t>6/5/2020</a:t>
+              <a:t>6/20/2020</a:t>
             </a:fld>
             <a:endParaRPr lang="en-US"/>
           </a:p>
@@ -980,7 +980,7 @@
           <a:p>
             <a:fld id="{F5D9C6CE-3FD7-4A98-BB63-1AA71BDC5835}" type="datetimeFigureOut">
               <a:rPr lang="en-US" smtClean="0"/>
-              <a:t>6/5/2020</a:t>
+              <a:t>6/20/2020</a:t>
             </a:fld>
             <a:endParaRPr lang="en-US"/>
           </a:p>
@@ -1188,7 +1188,7 @@
           <a:p>
             <a:fld id="{F5D9C6CE-3FD7-4A98-BB63-1AA71BDC5835}" type="datetimeFigureOut">
               <a:rPr lang="en-US" smtClean="0"/>
-              <a:t>6/5/2020</a:t>
+              <a:t>6/20/2020</a:t>
             </a:fld>
             <a:endParaRPr lang="en-US"/>
           </a:p>
@@ -1386,7 +1386,7 @@
           <a:p>
             <a:fld id="{F5D9C6CE-3FD7-4A98-BB63-1AA71BDC5835}" type="datetimeFigureOut">
               <a:rPr lang="en-US" smtClean="0"/>
-              <a:t>6/5/2020</a:t>
+              <a:t>6/20/2020</a:t>
             </a:fld>
             <a:endParaRPr lang="en-US"/>
           </a:p>
@@ -1661,7 +1661,7 @@
           <a:p>
             <a:fld id="{F5D9C6CE-3FD7-4A98-BB63-1AA71BDC5835}" type="datetimeFigureOut">
               <a:rPr lang="en-US" smtClean="0"/>
-              <a:t>6/5/2020</a:t>
+              <a:t>6/20/2020</a:t>
             </a:fld>
             <a:endParaRPr lang="en-US"/>
           </a:p>
@@ -1926,7 +1926,7 @@
           <a:p>
             <a:fld id="{F5D9C6CE-3FD7-4A98-BB63-1AA71BDC5835}" type="datetimeFigureOut">
               <a:rPr lang="en-US" smtClean="0"/>
-              <a:t>6/5/2020</a:t>
+              <a:t>6/20/2020</a:t>
             </a:fld>
             <a:endParaRPr lang="en-US"/>
           </a:p>
@@ -2338,7 +2338,7 @@
           <a:p>
             <a:fld id="{F5D9C6CE-3FD7-4A98-BB63-1AA71BDC5835}" type="datetimeFigureOut">
               <a:rPr lang="en-US" smtClean="0"/>
-              <a:t>6/5/2020</a:t>
+              <a:t>6/20/2020</a:t>
             </a:fld>
             <a:endParaRPr lang="en-US"/>
           </a:p>
@@ -2479,7 +2479,7 @@
           <a:p>
             <a:fld id="{F5D9C6CE-3FD7-4A98-BB63-1AA71BDC5835}" type="datetimeFigureOut">
               <a:rPr lang="en-US" smtClean="0"/>
-              <a:t>6/5/2020</a:t>
+              <a:t>6/20/2020</a:t>
             </a:fld>
             <a:endParaRPr lang="en-US"/>
           </a:p>
@@ -2592,7 +2592,7 @@
           <a:p>
             <a:fld id="{F5D9C6CE-3FD7-4A98-BB63-1AA71BDC5835}" type="datetimeFigureOut">
               <a:rPr lang="en-US" smtClean="0"/>
-              <a:t>6/5/2020</a:t>
+              <a:t>6/20/2020</a:t>
             </a:fld>
             <a:endParaRPr lang="en-US"/>
           </a:p>
@@ -2903,7 +2903,7 @@
           <a:p>
             <a:fld id="{F5D9C6CE-3FD7-4A98-BB63-1AA71BDC5835}" type="datetimeFigureOut">
               <a:rPr lang="en-US" smtClean="0"/>
-              <a:t>6/5/2020</a:t>
+              <a:t>6/20/2020</a:t>
             </a:fld>
             <a:endParaRPr lang="en-US"/>
           </a:p>
@@ -3191,7 +3191,7 @@
           <a:p>
             <a:fld id="{F5D9C6CE-3FD7-4A98-BB63-1AA71BDC5835}" type="datetimeFigureOut">
               <a:rPr lang="en-US" smtClean="0"/>
-              <a:t>6/5/2020</a:t>
+              <a:t>6/20/2020</a:t>
             </a:fld>
             <a:endParaRPr lang="en-US"/>
           </a:p>
@@ -3432,7 +3432,7 @@
           <a:p>
             <a:fld id="{F5D9C6CE-3FD7-4A98-BB63-1AA71BDC5835}" type="datetimeFigureOut">
               <a:rPr lang="en-US" smtClean="0"/>
-              <a:t>6/5/2020</a:t>
+              <a:t>6/20/2020</a:t>
             </a:fld>
             <a:endParaRPr lang="en-US"/>
           </a:p>
@@ -5991,6 +5991,123 @@
           <a:xfrm>
             <a:off x="2469655" y="5839631"/>
             <a:ext cx="578267" cy="579876"/>
+          </a:xfrm>
+          <a:prstGeom prst="rect">
+            <a:avLst/>
+          </a:prstGeom>
+        </p:spPr>
+      </p:pic>
+      <p:pic>
+        <p:nvPicPr>
+          <p:cNvPr id="6" name="Picture 5">
+            <a:extLst>
+              <a:ext uri="{FF2B5EF4-FFF2-40B4-BE49-F238E27FC236}">
+                <a16:creationId xmlns:a16="http://schemas.microsoft.com/office/drawing/2014/main" id="{55119F3A-0A0F-48BE-99DE-E3D1119B07DE}"/>
+              </a:ext>
+            </a:extLst>
+          </p:cNvPr>
+          <p:cNvPicPr>
+            <a:picLocks noChangeAspect="1"/>
+          </p:cNvPicPr>
+          <p:nvPr/>
+        </p:nvPicPr>
+        <p:blipFill>
+          <a:blip r:embed="rId10">
+            <a:extLst>
+              <a:ext uri="{28A0092B-C50C-407E-A947-70E740481C1C}">
+                <a14:useLocalDpi xmlns:a14="http://schemas.microsoft.com/office/drawing/2010/main" val="0"/>
+              </a:ext>
+            </a:extLst>
+          </a:blip>
+          <a:stretch>
+            <a:fillRect/>
+          </a:stretch>
+        </p:blipFill>
+        <p:spPr>
+          <a:xfrm>
+            <a:off x="895728" y="4935737"/>
+            <a:ext cx="342067" cy="342067"/>
+          </a:xfrm>
+          <a:prstGeom prst="rect">
+            <a:avLst/>
+          </a:prstGeom>
+        </p:spPr>
+      </p:pic>
+      <p:pic>
+        <p:nvPicPr>
+          <p:cNvPr id="12" name="Picture 11">
+            <a:extLst>
+              <a:ext uri="{FF2B5EF4-FFF2-40B4-BE49-F238E27FC236}">
+                <a16:creationId xmlns:a16="http://schemas.microsoft.com/office/drawing/2014/main" id="{DF4F625E-5156-4585-91AD-F584FDC71543}"/>
+              </a:ext>
+            </a:extLst>
+          </p:cNvPr>
+          <p:cNvPicPr>
+            <a:picLocks noChangeAspect="1"/>
+          </p:cNvPicPr>
+          <p:nvPr/>
+        </p:nvPicPr>
+        <p:blipFill rotWithShape="1">
+          <a:blip r:embed="rId11">
+            <a:extLst>
+              <a:ext uri="{28A0092B-C50C-407E-A947-70E740481C1C}">
+                <a14:useLocalDpi xmlns:a14="http://schemas.microsoft.com/office/drawing/2010/main" val="0"/>
+              </a:ext>
+            </a:extLst>
+          </a:blip>
+          <a:srcRect l="19497" t="15784" r="20533" b="30482"/>
+          <a:stretch/>
+        </p:blipFill>
+        <p:spPr>
+          <a:xfrm>
+            <a:off x="1937244" y="5074547"/>
+            <a:ext cx="208650" cy="203309"/>
+          </a:xfrm>
+          <a:prstGeom prst="rect">
+            <a:avLst/>
+          </a:prstGeom>
+        </p:spPr>
+      </p:pic>
+      <p:pic>
+        <p:nvPicPr>
+          <p:cNvPr id="13" name="Picture 12">
+            <a:extLst>
+              <a:ext uri="{FF2B5EF4-FFF2-40B4-BE49-F238E27FC236}">
+                <a16:creationId xmlns:a16="http://schemas.microsoft.com/office/drawing/2014/main" id="{2EE59364-4D92-4E5A-BDD2-92500247763F}"/>
+              </a:ext>
+            </a:extLst>
+          </p:cNvPr>
+          <p:cNvPicPr>
+            <a:picLocks noChangeAspect="1"/>
+          </p:cNvPicPr>
+          <p:nvPr/>
+        </p:nvPicPr>
+        <p:blipFill>
+          <a:blip r:embed="rId12">
+            <a:duotone>
+              <a:prstClr val="black"/>
+              <a:srgbClr val="FF0000">
+                <a:tint val="45000"/>
+                <a:satMod val="400000"/>
+              </a:srgbClr>
+            </a:duotone>
+            <a:extLst>
+              <a:ext uri="{28A0092B-C50C-407E-A947-70E740481C1C}">
+                <a14:useLocalDpi xmlns:a14="http://schemas.microsoft.com/office/drawing/2010/main" val="0"/>
+              </a:ext>
+              <a:ext uri="{837473B0-CC2E-450A-ABE3-18F120FF3D39}">
+                <a1611:picAttrSrcUrl xmlns:a1611="http://schemas.microsoft.com/office/drawing/2016/11/main" r:id="rId13"/>
+              </a:ext>
+            </a:extLst>
+          </a:blip>
+          <a:stretch>
+            <a:fillRect/>
+          </a:stretch>
+        </p:blipFill>
+        <p:spPr>
+          <a:xfrm>
+            <a:off x="5808289" y="3141289"/>
+            <a:ext cx="575423" cy="575423"/>
           </a:xfrm>
           <a:prstGeom prst="rect">
             <a:avLst/>
